--- a/meeting/Lithops.pptx
+++ b/meeting/Lithops.pptx
@@ -10,8 +10,15 @@
   <p:sldIdLst>
     <p:sldId id="374" r:id="rId3"/>
     <p:sldId id="583" r:id="rId5"/>
-    <p:sldId id="574" r:id="rId6"/>
-    <p:sldId id="464" r:id="rId7"/>
+    <p:sldId id="588" r:id="rId6"/>
+    <p:sldId id="586" r:id="rId7"/>
+    <p:sldId id="587" r:id="rId8"/>
+    <p:sldId id="589" r:id="rId9"/>
+    <p:sldId id="591" r:id="rId10"/>
+    <p:sldId id="592" r:id="rId11"/>
+    <p:sldId id="593" r:id="rId12"/>
+    <p:sldId id="596" r:id="rId13"/>
+    <p:sldId id="464" r:id="rId14"/>
   </p:sldIdLst>
   <p:sldSz cx="12192000" cy="6858000"/>
   <p:notesSz cx="6858000" cy="9144000"/>
@@ -498,22 +505,6 @@
         <p:txBody>
           <a:bodyPr/>
           <a:p>
-            <a:r>
-              <a:rPr lang="zh-CN" altLang="en-US"/>
-              <a:t>我汇报的主要内容是：</a:t>
-            </a:r>
-            <a:r>
-              <a:rPr lang="en-US" altLang="zh-CN"/>
-              <a:t>Serverless</a:t>
-            </a:r>
-            <a:r>
-              <a:rPr lang="zh-CN" altLang="en-US"/>
-              <a:t>数据分析应用特征的定性分析以及发现的</a:t>
-            </a:r>
-            <a:r>
-              <a:rPr lang="zh-CN" altLang="en-US"/>
-              <a:t>几个问题</a:t>
-            </a:r>
             <a:endParaRPr lang="zh-CN" altLang="en-US"/>
           </a:p>
         </p:txBody>
@@ -571,6 +562,94 @@
 </file>
 
 <file path=ppt/notesSlides/notesSlide3.xml><?xml version="1.0" encoding="utf-8"?>
+<p:notes xmlns:a="http://schemas.openxmlformats.org/drawingml/2006/main" xmlns:r="http://schemas.openxmlformats.org/officeDocument/2006/relationships" xmlns:p="http://schemas.openxmlformats.org/presentationml/2006/main">
+  <p:cSld>
+    <p:spTree>
+      <p:nvGrpSpPr>
+        <p:cNvPr id="1" name=""/>
+        <p:cNvGrpSpPr/>
+        <p:nvPr/>
+      </p:nvGrpSpPr>
+      <p:grpSpPr/>
+      <p:sp>
+        <p:nvSpPr>
+          <p:cNvPr id="2" name="幻灯片图像占位符 1"/>
+          <p:cNvSpPr/>
+          <p:nvPr>
+            <p:ph type="sldImg" idx="2"/>
+          </p:nvPr>
+        </p:nvSpPr>
+        <p:spPr/>
+      </p:sp>
+      <p:sp>
+        <p:nvSpPr>
+          <p:cNvPr id="3" name="文本占位符 2"/>
+          <p:cNvSpPr/>
+          <p:nvPr>
+            <p:ph type="body" idx="3"/>
+          </p:nvPr>
+        </p:nvSpPr>
+        <p:spPr/>
+        <p:txBody>
+          <a:bodyPr/>
+          <a:p>
+            <a:endParaRPr lang="zh-CN" altLang="en-US"/>
+          </a:p>
+        </p:txBody>
+      </p:sp>
+    </p:spTree>
+  </p:cSld>
+  <p:clrMapOvr>
+    <a:masterClrMapping/>
+  </p:clrMapOvr>
+</p:notes>
+</file>
+
+<file path=ppt/notesSlides/notesSlide4.xml><?xml version="1.0" encoding="utf-8"?>
+<p:notes xmlns:a="http://schemas.openxmlformats.org/drawingml/2006/main" xmlns:r="http://schemas.openxmlformats.org/officeDocument/2006/relationships" xmlns:p="http://schemas.openxmlformats.org/presentationml/2006/main">
+  <p:cSld>
+    <p:spTree>
+      <p:nvGrpSpPr>
+        <p:cNvPr id="1" name=""/>
+        <p:cNvGrpSpPr/>
+        <p:nvPr/>
+      </p:nvGrpSpPr>
+      <p:grpSpPr/>
+      <p:sp>
+        <p:nvSpPr>
+          <p:cNvPr id="2" name="幻灯片图像占位符 1"/>
+          <p:cNvSpPr/>
+          <p:nvPr>
+            <p:ph type="sldImg" idx="2"/>
+          </p:nvPr>
+        </p:nvSpPr>
+        <p:spPr/>
+      </p:sp>
+      <p:sp>
+        <p:nvSpPr>
+          <p:cNvPr id="3" name="文本占位符 2"/>
+          <p:cNvSpPr/>
+          <p:nvPr>
+            <p:ph type="body" idx="3"/>
+          </p:nvPr>
+        </p:nvSpPr>
+        <p:spPr/>
+        <p:txBody>
+          <a:bodyPr/>
+          <a:p>
+            <a:endParaRPr lang="zh-CN" altLang="en-US"/>
+          </a:p>
+        </p:txBody>
+      </p:sp>
+    </p:spTree>
+  </p:cSld>
+  <p:clrMapOvr>
+    <a:masterClrMapping/>
+  </p:clrMapOvr>
+</p:notes>
+</file>
+
+<file path=ppt/notesSlides/notesSlide5.xml><?xml version="1.0" encoding="utf-8"?>
 <p:notes xmlns:a="http://schemas.openxmlformats.org/drawingml/2006/main" xmlns:r="http://schemas.openxmlformats.org/officeDocument/2006/relationships" xmlns:p="http://schemas.openxmlformats.org/presentationml/2006/main">
   <p:cSld>
     <p:spTree>
@@ -3790,7 +3869,7 @@
         </p:nvSpPr>
         <p:spPr>
           <a:xfrm>
-            <a:off x="829310" y="1738630"/>
+            <a:off x="829310" y="1757680"/>
             <a:ext cx="10533380" cy="2387600"/>
           </a:xfrm>
         </p:spPr>
@@ -3804,13 +3883,19 @@
               <a:rPr lang="en-US" dirty="0">
                 <a:sym typeface="+mn-ea"/>
               </a:rPr>
-              <a:t> Lithops</a:t>
+              <a:t> P</a:t>
+            </a:r>
+            <a:r>
+              <a:rPr lang="en-US" dirty="0">
+                <a:sym typeface="+mn-ea"/>
+              </a:rPr>
+              <a:t>ywren&amp;Lithops</a:t>
             </a:r>
             <a:r>
               <a:rPr dirty="0">
                 <a:sym typeface="+mn-ea"/>
               </a:rPr>
-              <a:t>: Serverless Data Analytics in the IBM Cloud</a:t>
+              <a:t>: Serverless Data Analytics </a:t>
             </a:r>
             <a:endParaRPr dirty="0">
               <a:sym typeface="+mn-ea"/>
@@ -3858,7 +3943,7 @@
               <a:rPr lang="en-US" altLang="zh-CN" sz="2400">
                 <a:sym typeface="+mn-ea"/>
               </a:rPr>
-              <a:t>   2021.3.31</a:t>
+              <a:t>   2021.4.12</a:t>
             </a:r>
             <a:endParaRPr lang="zh-CN" altLang="en-US" sz="2400"/>
           </a:p>
@@ -3872,8 +3957,8 @@
         </p:nvSpPr>
         <p:spPr>
           <a:xfrm>
-            <a:off x="0" y="6489700"/>
-            <a:ext cx="10696575" cy="368300"/>
+            <a:off x="0" y="6212840"/>
+            <a:ext cx="10696575" cy="645160"/>
           </a:xfrm>
           <a:prstGeom prst="rect">
             <a:avLst/>
@@ -3887,20 +3972,357 @@
           <a:p>
             <a:r>
               <a:rPr lang="zh-CN" altLang="en-US">
+                <a:solidFill>
+                  <a:schemeClr val="bg2">
+                    <a:lumMod val="50000"/>
+                  </a:schemeClr>
+                </a:solidFill>
+              </a:rPr>
+              <a:t>[1] </a:t>
+            </a:r>
+            <a:r>
+              <a:rPr lang="en-US" altLang="zh-CN">
+                <a:solidFill>
+                  <a:schemeClr val="bg2">
+                    <a:lumMod val="50000"/>
+                  </a:schemeClr>
+                </a:solidFill>
+              </a:rPr>
+              <a:t>Pywren: Occupy the Cloud: Distributed Computing for the 99%  SoCC’17</a:t>
+            </a:r>
+            <a:endParaRPr lang="en-US" altLang="zh-CN">
+              <a:solidFill>
+                <a:schemeClr val="bg2">
+                  <a:lumMod val="50000"/>
+                </a:schemeClr>
+              </a:solidFill>
+            </a:endParaRPr>
+          </a:p>
+          <a:p>
+            <a:r>
+              <a:rPr lang="en-US" altLang="zh-CN">
+                <a:solidFill>
+                  <a:schemeClr val="bg2">
+                    <a:lumMod val="50000"/>
+                  </a:schemeClr>
+                </a:solidFill>
+              </a:rPr>
+              <a:t>[2] </a:t>
+            </a:r>
+            <a:r>
+              <a:rPr lang="zh-CN" altLang="en-US">
+                <a:solidFill>
+                  <a:schemeClr val="bg2">
+                    <a:lumMod val="50000"/>
+                  </a:schemeClr>
+                </a:solidFill>
+              </a:rPr>
+              <a:t>Lithops: Serverless Data Analytics in the IBM Cloud</a:t>
+            </a:r>
+            <a:r>
+              <a:rPr lang="en-US" altLang="zh-CN">
+                <a:solidFill>
+                  <a:schemeClr val="bg2">
+                    <a:lumMod val="50000"/>
+                  </a:schemeClr>
+                </a:solidFill>
+              </a:rPr>
+              <a:t>  Middleware’18</a:t>
+            </a:r>
+            <a:endParaRPr lang="en-US" altLang="zh-CN">
+              <a:solidFill>
+                <a:schemeClr val="bg2">
+                  <a:lumMod val="50000"/>
+                </a:schemeClr>
+              </a:solidFill>
+            </a:endParaRPr>
+          </a:p>
+        </p:txBody>
+      </p:sp>
+    </p:spTree>
+  </p:cSld>
+  <p:clrMapOvr>
+    <a:masterClrMapping/>
+  </p:clrMapOvr>
+</p:sld>
+</file>
+
+<file path=ppt/slides/slide10.xml><?xml version="1.0" encoding="utf-8"?>
+<p:sld xmlns:a="http://schemas.openxmlformats.org/drawingml/2006/main" xmlns:r="http://schemas.openxmlformats.org/officeDocument/2006/relationships" xmlns:p="http://schemas.openxmlformats.org/presentationml/2006/main">
+  <p:cSld>
+    <p:spTree>
+      <p:nvGrpSpPr>
+        <p:cNvPr id="1" name=""/>
+        <p:cNvGrpSpPr/>
+        <p:nvPr/>
+      </p:nvGrpSpPr>
+      <p:grpSpPr/>
+      <p:pic>
+        <p:nvPicPr>
+          <p:cNvPr id="4" name="图片 3"/>
+          <p:cNvPicPr>
+            <a:picLocks noChangeAspect="1"/>
+          </p:cNvPicPr>
+          <p:nvPr/>
+        </p:nvPicPr>
+        <p:blipFill>
+          <a:blip r:embed="rId1"/>
+          <a:stretch>
+            <a:fillRect/>
+          </a:stretch>
+        </p:blipFill>
+        <p:spPr>
+          <a:xfrm>
+            <a:off x="3253740" y="223520"/>
+            <a:ext cx="6282055" cy="6634480"/>
+          </a:xfrm>
+          <a:prstGeom prst="rect">
+            <a:avLst/>
+          </a:prstGeom>
+        </p:spPr>
+      </p:pic>
+      <p:sp>
+        <p:nvSpPr>
+          <p:cNvPr id="5" name="标题 4"/>
+          <p:cNvSpPr>
+            <a:spLocks noGrp="1"/>
+          </p:cNvSpPr>
+          <p:nvPr>
+            <p:ph type="title"/>
+          </p:nvPr>
+        </p:nvSpPr>
+        <p:spPr>
+          <a:xfrm>
+            <a:off x="0" y="0"/>
+            <a:ext cx="1746250" cy="1437005"/>
+          </a:xfrm>
+        </p:spPr>
+        <p:txBody>
+          <a:bodyPr/>
+          <a:p>
+            <a:r>
+              <a:rPr lang="zh-CN" altLang="en-US"/>
+              <a:t>提纲</a:t>
+            </a:r>
+            <a:endParaRPr lang="zh-CN" altLang="en-US"/>
+          </a:p>
+        </p:txBody>
+      </p:sp>
+    </p:spTree>
+  </p:cSld>
+  <p:clrMapOvr>
+    <a:masterClrMapping/>
+  </p:clrMapOvr>
+</p:sld>
+</file>
+
+<file path=ppt/slides/slide11.xml><?xml version="1.0" encoding="utf-8"?>
+<p:sld xmlns:a="http://schemas.openxmlformats.org/drawingml/2006/main" xmlns:r="http://schemas.openxmlformats.org/officeDocument/2006/relationships" xmlns:p="http://schemas.openxmlformats.org/presentationml/2006/main">
+  <p:cSld>
+    <p:spTree>
+      <p:nvGrpSpPr>
+        <p:cNvPr id="1" name=""/>
+        <p:cNvGrpSpPr/>
+        <p:nvPr/>
+      </p:nvGrpSpPr>
+      <p:grpSpPr/>
+      <p:sp>
+        <p:nvSpPr>
+          <p:cNvPr id="2" name="标题 1"/>
+          <p:cNvSpPr>
+            <a:spLocks noGrp="1"/>
+          </p:cNvSpPr>
+          <p:nvPr>
+            <p:ph type="title"/>
+          </p:nvPr>
+        </p:nvSpPr>
+        <p:spPr/>
+        <p:txBody>
+          <a:bodyPr/>
+          <a:p>
+            <a:r>
+              <a:rPr lang="en-US" altLang="zh-CN"/>
+              <a:t>Reference</a:t>
+            </a:r>
+            <a:endParaRPr lang="en-US" altLang="zh-CN"/>
+          </a:p>
+        </p:txBody>
+      </p:sp>
+      <p:sp>
+        <p:nvSpPr>
+          <p:cNvPr id="24" name="文本框 23"/>
+          <p:cNvSpPr txBox="1"/>
+          <p:nvPr/>
+        </p:nvSpPr>
+        <p:spPr>
+          <a:xfrm>
+            <a:off x="838200" y="1380490"/>
+            <a:ext cx="11238865" cy="2553335"/>
+          </a:xfrm>
+          <a:prstGeom prst="rect">
+            <a:avLst/>
+          </a:prstGeom>
+          <a:noFill/>
+        </p:spPr>
+        <p:txBody>
+          <a:bodyPr wrap="square" rtlCol="0">
+            <a:spAutoFit/>
+          </a:bodyPr>
+          <a:p>
+            <a:pPr>
+              <a:lnSpc>
+                <a:spcPct val="200000"/>
+              </a:lnSpc>
+            </a:pPr>
+            <a:r>
+              <a:rPr lang="zh-CN" altLang="en-US" sz="2000">
+                <a:solidFill>
+                  <a:schemeClr val="bg2">
+                    <a:lumMod val="50000"/>
+                  </a:schemeClr>
+                </a:solidFill>
+                <a:sym typeface="+mn-ea"/>
+              </a:rPr>
+              <a:t>[1] </a:t>
+            </a:r>
+            <a:r>
+              <a:rPr lang="en-US" altLang="zh-CN" sz="2000">
+                <a:solidFill>
+                  <a:schemeClr val="bg2">
+                    <a:lumMod val="50000"/>
+                  </a:schemeClr>
+                </a:solidFill>
+                <a:sym typeface="+mn-ea"/>
+              </a:rPr>
+              <a:t>Pywren: Occupy the Cloud: Distributed Computing for the 99%  SoCC’17</a:t>
+            </a:r>
+            <a:endParaRPr lang="en-US" altLang="zh-CN" sz="2000">
+              <a:solidFill>
+                <a:schemeClr val="bg2">
+                  <a:lumMod val="50000"/>
+                </a:schemeClr>
+              </a:solidFill>
+            </a:endParaRPr>
+          </a:p>
+          <a:p>
+            <a:pPr>
+              <a:lnSpc>
+                <a:spcPct val="200000"/>
+              </a:lnSpc>
+            </a:pPr>
+            <a:r>
+              <a:rPr lang="en-US" altLang="zh-CN" sz="2000">
+                <a:solidFill>
+                  <a:schemeClr val="bg2">
+                    <a:lumMod val="50000"/>
+                  </a:schemeClr>
+                </a:solidFill>
+                <a:sym typeface="+mn-ea"/>
+              </a:rPr>
+              <a:t>[2] </a:t>
+            </a:r>
+            <a:r>
+              <a:rPr lang="zh-CN" altLang="en-US" sz="2000">
+                <a:solidFill>
+                  <a:schemeClr val="bg2">
+                    <a:lumMod val="50000"/>
+                  </a:schemeClr>
+                </a:solidFill>
+                <a:sym typeface="+mn-ea"/>
+              </a:rPr>
+              <a:t>Lithops: Serverless Data Analytics in the IBM Cloud</a:t>
+            </a:r>
+            <a:r>
+              <a:rPr lang="en-US" altLang="zh-CN" sz="2000">
+                <a:solidFill>
+                  <a:schemeClr val="bg2">
+                    <a:lumMod val="50000"/>
+                  </a:schemeClr>
+                </a:solidFill>
+                <a:sym typeface="+mn-ea"/>
+              </a:rPr>
+              <a:t>  Middleware’18</a:t>
+            </a:r>
+            <a:endParaRPr lang="en-US" altLang="zh-CN" sz="2000">
+              <a:solidFill>
+                <a:schemeClr val="bg2">
+                  <a:lumMod val="50000"/>
+                </a:schemeClr>
+              </a:solidFill>
+            </a:endParaRPr>
+          </a:p>
+          <a:p>
+            <a:pPr>
+              <a:lnSpc>
+                <a:spcPct val="200000"/>
+              </a:lnSpc>
+            </a:pPr>
+            <a:r>
+              <a:rPr lang="en-US" altLang="zh-CN" sz="2000">
+                <a:solidFill>
+                  <a:schemeClr val="bg2">
+                    <a:lumMod val="50000"/>
+                  </a:schemeClr>
+                </a:solidFill>
+                <a:sym typeface="+mn-ea"/>
+              </a:rPr>
+              <a:t>[3] Locus: Shuffling, Fast and Slow: Scalable Analytics on Serverless Infrastructure  NSDI’19</a:t>
+            </a:r>
+            <a:endParaRPr lang="en-US" altLang="zh-CN" sz="2000">
+              <a:solidFill>
+                <a:schemeClr val="bg2">
+                  <a:lumMod val="50000"/>
+                </a:schemeClr>
+              </a:solidFill>
+              <a:sym typeface="+mn-ea"/>
+            </a:endParaRPr>
+          </a:p>
+          <a:p>
+            <a:pPr>
+              <a:lnSpc>
+                <a:spcPct val="200000"/>
+              </a:lnSpc>
+            </a:pPr>
+            <a:r>
+              <a:rPr lang="en-US" altLang="zh-CN" sz="2000">
+                <a:solidFill>
+                  <a:schemeClr val="bg2">
+                    <a:lumMod val="50000"/>
+                  </a:schemeClr>
+                </a:solidFill>
+                <a:sym typeface="+mn-ea"/>
+              </a:rPr>
+              <a:t>[4]</a:t>
+            </a:r>
+            <a:r>
+              <a:rPr lang="en-US" altLang="zh-CN" sz="2000">
                 <a:solidFill>
                   <a:schemeClr val="bg2">
                     <a:lumMod val="75000"/>
                   </a:schemeClr>
                 </a:solidFill>
+                <a:sym typeface="+mn-ea"/>
               </a:rPr>
-              <a:t>[1] Lithops: Serverless Data Analytics in the IBM Cloud</a:t>
-            </a:r>
-            <a:endParaRPr lang="zh-CN" altLang="en-US">
+              <a:t> </a:t>
+            </a:r>
+            <a:r>
+              <a:rPr lang="en-US" altLang="zh-CN" sz="2000">
+                <a:solidFill>
+                  <a:schemeClr val="bg2">
+                    <a:lumMod val="50000"/>
+                  </a:schemeClr>
+                </a:solidFill>
+                <a:sym typeface="+mn-ea"/>
+              </a:rPr>
+              <a:t>Caerus: NIMBLE Task Scheduling for Serverless Analytics  NSDI’21</a:t>
+            </a:r>
+            <a:endParaRPr lang="en-US" altLang="zh-CN" sz="2000">
               <a:solidFill>
                 <a:schemeClr val="bg2">
-                  <a:lumMod val="75000"/>
+                  <a:lumMod val="50000"/>
                 </a:schemeClr>
               </a:solidFill>
+              <a:sym typeface="+mn-ea"/>
             </a:endParaRPr>
           </a:p>
         </p:txBody>
@@ -3937,7 +4359,11 @@
         <p:txBody>
           <a:bodyPr/>
           <a:p>
-            <a:endParaRPr lang="zh-CN" altLang="en-US"/>
+            <a:r>
+              <a:rPr lang="en-US" altLang="zh-CN"/>
+              <a:t>Pywren</a:t>
+            </a:r>
+            <a:endParaRPr lang="en-US" altLang="zh-CN"/>
           </a:p>
         </p:txBody>
       </p:sp>
@@ -3955,20 +4381,1238 @@
         <p:txBody>
           <a:bodyPr/>
           <a:p>
+            <a:pPr marL="0" indent="0"/>
             <a:r>
               <a:rPr lang="en-US" altLang="zh-CN"/>
-              <a:t> dd</a:t>
-            </a:r>
-            <a:endParaRPr lang="en-US" altLang="zh-CN"/>
-          </a:p>
-          <a:p>
-            <a:pPr marL="457200" lvl="1" indent="0">
+              <a:t> </a:t>
+            </a:r>
+            <a:r>
+              <a:rPr lang="en-US" altLang="zh-CN">
+                <a:uFillTx/>
+                <a:latin typeface="等线" panose="02010600030101010101" charset="-122"/>
+                <a:sym typeface="+mn-ea"/>
+              </a:rPr>
+              <a:t>Map-reduce style serverless framework </a:t>
+            </a:r>
+            <a:endParaRPr lang="en-US" altLang="zh-CN">
+              <a:uFillTx/>
+              <a:latin typeface="等线" panose="02010600030101010101" charset="-122"/>
+              <a:sym typeface="+mn-ea"/>
+            </a:endParaRPr>
+          </a:p>
+          <a:p>
+            <a:pPr marL="0" indent="0">
               <a:buNone/>
             </a:pPr>
+            <a:r>
+              <a:rPr lang="en-US" altLang="zh-CN"/>
+              <a:t> </a:t>
+            </a:r>
             <a:endParaRPr lang="en-US" altLang="zh-CN"/>
           </a:p>
         </p:txBody>
       </p:sp>
+      <p:sp>
+        <p:nvSpPr>
+          <p:cNvPr id="6" name="文本框 5"/>
+          <p:cNvSpPr txBox="1"/>
+          <p:nvPr/>
+        </p:nvSpPr>
+        <p:spPr>
+          <a:xfrm>
+            <a:off x="0" y="6489700"/>
+            <a:ext cx="10696575" cy="368300"/>
+          </a:xfrm>
+          <a:prstGeom prst="rect">
+            <a:avLst/>
+          </a:prstGeom>
+          <a:noFill/>
+        </p:spPr>
+        <p:txBody>
+          <a:bodyPr wrap="square" rtlCol="0">
+            <a:spAutoFit/>
+          </a:bodyPr>
+          <a:p>
+            <a:r>
+              <a:rPr lang="zh-CN" altLang="en-US">
+                <a:solidFill>
+                  <a:schemeClr val="bg2">
+                    <a:lumMod val="50000"/>
+                  </a:schemeClr>
+                </a:solidFill>
+              </a:rPr>
+              <a:t>[1] </a:t>
+            </a:r>
+            <a:r>
+              <a:rPr lang="en-US" altLang="zh-CN">
+                <a:solidFill>
+                  <a:schemeClr val="bg2">
+                    <a:lumMod val="50000"/>
+                  </a:schemeClr>
+                </a:solidFill>
+              </a:rPr>
+              <a:t>Pywren: Occupy the Cloud: Distributed Computing for the 99%  SoCC’17</a:t>
+            </a:r>
+            <a:endParaRPr lang="en-US" altLang="zh-CN">
+              <a:solidFill>
+                <a:schemeClr val="bg2">
+                  <a:lumMod val="50000"/>
+                </a:schemeClr>
+              </a:solidFill>
+            </a:endParaRPr>
+          </a:p>
+        </p:txBody>
+      </p:sp>
+      <p:cxnSp>
+        <p:nvCxnSpPr>
+          <p:cNvPr id="24" name="直接连接符 23"/>
+          <p:cNvCxnSpPr/>
+          <p:nvPr/>
+        </p:nvCxnSpPr>
+        <p:spPr>
+          <a:xfrm>
+            <a:off x="6090920" y="2030095"/>
+            <a:ext cx="9525" cy="3975100"/>
+          </a:xfrm>
+          <a:prstGeom prst="line">
+            <a:avLst/>
+          </a:prstGeom>
+          <a:ln w="12700">
+            <a:solidFill>
+              <a:schemeClr val="tx1"/>
+            </a:solidFill>
+            <a:prstDash val="sysDash"/>
+            <a:headEnd type="none" w="med" len="med"/>
+            <a:tailEnd type="none" w="med" len="med"/>
+          </a:ln>
+        </p:spPr>
+        <p:style>
+          <a:lnRef idx="1">
+            <a:schemeClr val="accent1"/>
+          </a:lnRef>
+          <a:fillRef idx="0">
+            <a:schemeClr val="accent1"/>
+          </a:fillRef>
+          <a:effectRef idx="0">
+            <a:schemeClr val="accent1"/>
+          </a:effectRef>
+          <a:fontRef idx="minor">
+            <a:schemeClr val="tx1"/>
+          </a:fontRef>
+        </p:style>
+      </p:cxnSp>
+      <p:sp>
+        <p:nvSpPr>
+          <p:cNvPr id="25" name="文本框 24"/>
+          <p:cNvSpPr txBox="1"/>
+          <p:nvPr/>
+        </p:nvSpPr>
+        <p:spPr>
+          <a:xfrm>
+            <a:off x="2700655" y="5887085"/>
+            <a:ext cx="998220" cy="460375"/>
+          </a:xfrm>
+          <a:prstGeom prst="rect">
+            <a:avLst/>
+          </a:prstGeom>
+          <a:noFill/>
+        </p:spPr>
+        <p:txBody>
+          <a:bodyPr wrap="square" rtlCol="0">
+            <a:spAutoFit/>
+          </a:bodyPr>
+          <a:p>
+            <a:r>
+              <a:rPr lang="en-US" altLang="zh-CN" sz="2400" b="1"/>
+              <a:t>Client</a:t>
+            </a:r>
+            <a:endParaRPr lang="en-US" altLang="zh-CN" sz="2400" b="1"/>
+          </a:p>
+        </p:txBody>
+      </p:sp>
+      <p:sp>
+        <p:nvSpPr>
+          <p:cNvPr id="26" name="文本框 25"/>
+          <p:cNvSpPr txBox="1"/>
+          <p:nvPr/>
+        </p:nvSpPr>
+        <p:spPr>
+          <a:xfrm>
+            <a:off x="8492490" y="5887085"/>
+            <a:ext cx="998220" cy="460375"/>
+          </a:xfrm>
+          <a:prstGeom prst="rect">
+            <a:avLst/>
+          </a:prstGeom>
+          <a:noFill/>
+        </p:spPr>
+        <p:txBody>
+          <a:bodyPr wrap="square" rtlCol="0">
+            <a:spAutoFit/>
+          </a:bodyPr>
+          <a:p>
+            <a:r>
+              <a:rPr lang="en-US" altLang="zh-CN" sz="2400" b="1"/>
+              <a:t>Cloud</a:t>
+            </a:r>
+            <a:endParaRPr lang="en-US" altLang="zh-CN" sz="2400" b="1"/>
+          </a:p>
+        </p:txBody>
+      </p:sp>
+      <p:pic>
+        <p:nvPicPr>
+          <p:cNvPr id="29" name="图片 28"/>
+          <p:cNvPicPr>
+            <a:picLocks noChangeAspect="1"/>
+          </p:cNvPicPr>
+          <p:nvPr/>
+        </p:nvPicPr>
+        <p:blipFill>
+          <a:blip r:embed="rId1"/>
+          <a:stretch>
+            <a:fillRect/>
+          </a:stretch>
+        </p:blipFill>
+        <p:spPr>
+          <a:xfrm>
+            <a:off x="2146935" y="2214880"/>
+            <a:ext cx="2105660" cy="1258570"/>
+          </a:xfrm>
+          <a:prstGeom prst="rect">
+            <a:avLst/>
+          </a:prstGeom>
+        </p:spPr>
+      </p:pic>
+      <p:sp>
+        <p:nvSpPr>
+          <p:cNvPr id="30" name="矩形 29"/>
+          <p:cNvSpPr/>
+          <p:nvPr/>
+        </p:nvSpPr>
+        <p:spPr>
+          <a:xfrm>
+            <a:off x="2719070" y="4195445"/>
+            <a:ext cx="960755" cy="367665"/>
+          </a:xfrm>
+          <a:prstGeom prst="rect">
+            <a:avLst/>
+          </a:prstGeom>
+          <a:noFill/>
+          <a:ln w="28575">
+            <a:solidFill>
+              <a:schemeClr val="tx1"/>
+            </a:solidFill>
+          </a:ln>
+        </p:spPr>
+        <p:style>
+          <a:lnRef idx="2">
+            <a:schemeClr val="accent1">
+              <a:shade val="50000"/>
+            </a:schemeClr>
+          </a:lnRef>
+          <a:fillRef idx="1">
+            <a:schemeClr val="accent1"/>
+          </a:fillRef>
+          <a:effectRef idx="0">
+            <a:schemeClr val="accent1"/>
+          </a:effectRef>
+          <a:fontRef idx="minor">
+            <a:schemeClr val="lt1"/>
+          </a:fontRef>
+        </p:style>
+        <p:txBody>
+          <a:bodyPr rtlCol="0" anchor="ctr"/>
+          <a:p>
+            <a:pPr algn="ctr"/>
+            <a:endParaRPr lang="zh-CN" altLang="en-US" dirty="0">
+              <a:solidFill>
+                <a:schemeClr val="tx1"/>
+              </a:solidFill>
+            </a:endParaRPr>
+          </a:p>
+        </p:txBody>
+      </p:sp>
+      <p:sp>
+        <p:nvSpPr>
+          <p:cNvPr id="31" name="文本框 30"/>
+          <p:cNvSpPr txBox="1"/>
+          <p:nvPr/>
+        </p:nvSpPr>
+        <p:spPr>
+          <a:xfrm>
+            <a:off x="2729230" y="4195445"/>
+            <a:ext cx="932180" cy="368300"/>
+          </a:xfrm>
+          <a:prstGeom prst="rect">
+            <a:avLst/>
+          </a:prstGeom>
+          <a:noFill/>
+        </p:spPr>
+        <p:txBody>
+          <a:bodyPr wrap="square" rtlCol="0">
+            <a:spAutoFit/>
+          </a:bodyPr>
+          <a:p>
+            <a:r>
+              <a:rPr lang="en-US" altLang="zh-CN"/>
+              <a:t>Pywren</a:t>
+            </a:r>
+            <a:endParaRPr lang="en-US" altLang="zh-CN"/>
+          </a:p>
+        </p:txBody>
+      </p:sp>
+      <p:cxnSp>
+        <p:nvCxnSpPr>
+          <p:cNvPr id="32" name="直接箭头连接符 31"/>
+          <p:cNvCxnSpPr>
+            <a:stCxn id="29" idx="2"/>
+            <a:endCxn id="30" idx="0"/>
+          </p:cNvCxnSpPr>
+          <p:nvPr/>
+        </p:nvCxnSpPr>
+        <p:spPr>
+          <a:xfrm>
+            <a:off x="3199765" y="3473450"/>
+            <a:ext cx="0" cy="721995"/>
+          </a:xfrm>
+          <a:prstGeom prst="straightConnector1">
+            <a:avLst/>
+          </a:prstGeom>
+          <a:ln w="19050">
+            <a:solidFill>
+              <a:schemeClr val="tx1"/>
+            </a:solidFill>
+            <a:headEnd type="none" w="med" len="med"/>
+            <a:tailEnd type="triangle" w="med" len="med"/>
+          </a:ln>
+        </p:spPr>
+        <p:style>
+          <a:lnRef idx="1">
+            <a:schemeClr val="accent1"/>
+          </a:lnRef>
+          <a:fillRef idx="0">
+            <a:schemeClr val="accent1"/>
+          </a:fillRef>
+          <a:effectRef idx="0">
+            <a:schemeClr val="accent1"/>
+          </a:effectRef>
+          <a:fontRef idx="minor">
+            <a:schemeClr val="tx1"/>
+          </a:fontRef>
+        </p:style>
+      </p:cxnSp>
+      <p:cxnSp>
+        <p:nvCxnSpPr>
+          <p:cNvPr id="33" name="直接箭头连接符 32"/>
+          <p:cNvCxnSpPr>
+            <a:stCxn id="31" idx="3"/>
+            <a:endCxn id="35" idx="1"/>
+          </p:cNvCxnSpPr>
+          <p:nvPr/>
+        </p:nvCxnSpPr>
+        <p:spPr>
+          <a:xfrm flipV="1">
+            <a:off x="3661410" y="4017645"/>
+            <a:ext cx="675005" cy="361950"/>
+          </a:xfrm>
+          <a:prstGeom prst="straightConnector1">
+            <a:avLst/>
+          </a:prstGeom>
+          <a:ln w="19050">
+            <a:solidFill>
+              <a:schemeClr val="tx1"/>
+            </a:solidFill>
+            <a:headEnd type="none" w="med" len="med"/>
+            <a:tailEnd type="triangle" w="med" len="med"/>
+          </a:ln>
+        </p:spPr>
+        <p:style>
+          <a:lnRef idx="1">
+            <a:schemeClr val="accent1"/>
+          </a:lnRef>
+          <a:fillRef idx="0">
+            <a:schemeClr val="accent1"/>
+          </a:fillRef>
+          <a:effectRef idx="0">
+            <a:schemeClr val="accent1"/>
+          </a:effectRef>
+          <a:fontRef idx="minor">
+            <a:schemeClr val="tx1"/>
+          </a:fontRef>
+        </p:style>
+      </p:cxnSp>
+      <p:cxnSp>
+        <p:nvCxnSpPr>
+          <p:cNvPr id="34" name="直接箭头连接符 33"/>
+          <p:cNvCxnSpPr>
+            <a:endCxn id="36" idx="1"/>
+          </p:cNvCxnSpPr>
+          <p:nvPr/>
+        </p:nvCxnSpPr>
+        <p:spPr>
+          <a:xfrm>
+            <a:off x="3698875" y="4388485"/>
+            <a:ext cx="634365" cy="322580"/>
+          </a:xfrm>
+          <a:prstGeom prst="straightConnector1">
+            <a:avLst/>
+          </a:prstGeom>
+          <a:ln w="19050">
+            <a:solidFill>
+              <a:schemeClr val="tx1"/>
+            </a:solidFill>
+            <a:headEnd type="none" w="med" len="med"/>
+            <a:tailEnd type="triangle" w="med" len="med"/>
+          </a:ln>
+        </p:spPr>
+        <p:style>
+          <a:lnRef idx="1">
+            <a:schemeClr val="accent1"/>
+          </a:lnRef>
+          <a:fillRef idx="0">
+            <a:schemeClr val="accent1"/>
+          </a:fillRef>
+          <a:effectRef idx="0">
+            <a:schemeClr val="accent1"/>
+          </a:effectRef>
+          <a:fontRef idx="minor">
+            <a:schemeClr val="tx1"/>
+          </a:fontRef>
+        </p:style>
+      </p:cxnSp>
+      <p:sp>
+        <p:nvSpPr>
+          <p:cNvPr id="35" name="文本框 34"/>
+          <p:cNvSpPr txBox="1"/>
+          <p:nvPr/>
+        </p:nvSpPr>
+        <p:spPr>
+          <a:xfrm>
+            <a:off x="4336415" y="3833495"/>
+            <a:ext cx="1244600" cy="368300"/>
+          </a:xfrm>
+          <a:prstGeom prst="rect">
+            <a:avLst/>
+          </a:prstGeom>
+          <a:noFill/>
+        </p:spPr>
+        <p:txBody>
+          <a:bodyPr wrap="square" rtlCol="0">
+            <a:spAutoFit/>
+          </a:bodyPr>
+          <a:p>
+            <a:r>
+              <a:rPr lang="en-US" altLang="zh-CN"/>
+              <a:t>Invocation</a:t>
+            </a:r>
+            <a:endParaRPr lang="en-US" altLang="zh-CN"/>
+          </a:p>
+        </p:txBody>
+      </p:sp>
+      <p:sp>
+        <p:nvSpPr>
+          <p:cNvPr id="36" name="文本框 35"/>
+          <p:cNvSpPr txBox="1"/>
+          <p:nvPr/>
+        </p:nvSpPr>
+        <p:spPr>
+          <a:xfrm>
+            <a:off x="4333240" y="4388485"/>
+            <a:ext cx="1627505" cy="645160"/>
+          </a:xfrm>
+          <a:prstGeom prst="rect">
+            <a:avLst/>
+          </a:prstGeom>
+          <a:noFill/>
+        </p:spPr>
+        <p:txBody>
+          <a:bodyPr wrap="square" rtlCol="0">
+            <a:spAutoFit/>
+          </a:bodyPr>
+          <a:p>
+            <a:r>
+              <a:rPr lang="en-US" altLang="zh-CN"/>
+              <a:t>Serialize put in Baas</a:t>
+            </a:r>
+            <a:endParaRPr lang="en-US" altLang="zh-CN"/>
+          </a:p>
+        </p:txBody>
+      </p:sp>
+      <p:cxnSp>
+        <p:nvCxnSpPr>
+          <p:cNvPr id="39" name="直接连接符 38"/>
+          <p:cNvCxnSpPr>
+            <a:stCxn id="35" idx="3"/>
+          </p:cNvCxnSpPr>
+          <p:nvPr/>
+        </p:nvCxnSpPr>
+        <p:spPr>
+          <a:xfrm>
+            <a:off x="5581015" y="4017645"/>
+            <a:ext cx="1522730" cy="0"/>
+          </a:xfrm>
+          <a:prstGeom prst="line">
+            <a:avLst/>
+          </a:prstGeom>
+          <a:ln w="19050">
+            <a:solidFill>
+              <a:schemeClr val="tx1"/>
+            </a:solidFill>
+            <a:headEnd type="none" w="med" len="med"/>
+            <a:tailEnd type="none" w="med" len="med"/>
+          </a:ln>
+        </p:spPr>
+        <p:style>
+          <a:lnRef idx="1">
+            <a:schemeClr val="accent1"/>
+          </a:lnRef>
+          <a:fillRef idx="0">
+            <a:schemeClr val="accent1"/>
+          </a:fillRef>
+          <a:effectRef idx="0">
+            <a:schemeClr val="accent1"/>
+          </a:effectRef>
+          <a:fontRef idx="minor">
+            <a:schemeClr val="tx1"/>
+          </a:fontRef>
+        </p:style>
+      </p:cxnSp>
+      <p:cxnSp>
+        <p:nvCxnSpPr>
+          <p:cNvPr id="40" name="直接箭头连接符 39"/>
+          <p:cNvCxnSpPr/>
+          <p:nvPr/>
+        </p:nvCxnSpPr>
+        <p:spPr>
+          <a:xfrm flipV="1">
+            <a:off x="7103745" y="3086100"/>
+            <a:ext cx="0" cy="931545"/>
+          </a:xfrm>
+          <a:prstGeom prst="straightConnector1">
+            <a:avLst/>
+          </a:prstGeom>
+          <a:ln w="19050">
+            <a:solidFill>
+              <a:schemeClr val="tx1"/>
+            </a:solidFill>
+            <a:headEnd type="none" w="med" len="med"/>
+            <a:tailEnd type="arrow" w="med" len="med"/>
+          </a:ln>
+        </p:spPr>
+        <p:style>
+          <a:lnRef idx="1">
+            <a:schemeClr val="accent1"/>
+          </a:lnRef>
+          <a:fillRef idx="0">
+            <a:schemeClr val="accent1"/>
+          </a:fillRef>
+          <a:effectRef idx="0">
+            <a:schemeClr val="accent1"/>
+          </a:effectRef>
+          <a:fontRef idx="minor">
+            <a:schemeClr val="tx1"/>
+          </a:fontRef>
+        </p:style>
+      </p:cxnSp>
+      <p:sp>
+        <p:nvSpPr>
+          <p:cNvPr id="41" name="矩形 40"/>
+          <p:cNvSpPr/>
+          <p:nvPr/>
+        </p:nvSpPr>
+        <p:spPr>
+          <a:xfrm>
+            <a:off x="6610350" y="2718435"/>
+            <a:ext cx="960755" cy="367665"/>
+          </a:xfrm>
+          <a:prstGeom prst="rect">
+            <a:avLst/>
+          </a:prstGeom>
+          <a:noFill/>
+          <a:ln w="28575">
+            <a:solidFill>
+              <a:schemeClr val="tx1"/>
+            </a:solidFill>
+          </a:ln>
+        </p:spPr>
+        <p:style>
+          <a:lnRef idx="2">
+            <a:schemeClr val="accent1">
+              <a:shade val="50000"/>
+            </a:schemeClr>
+          </a:lnRef>
+          <a:fillRef idx="1">
+            <a:schemeClr val="accent1"/>
+          </a:fillRef>
+          <a:effectRef idx="0">
+            <a:schemeClr val="accent1"/>
+          </a:effectRef>
+          <a:fontRef idx="minor">
+            <a:schemeClr val="lt1"/>
+          </a:fontRef>
+        </p:style>
+        <p:txBody>
+          <a:bodyPr rtlCol="0" anchor="ctr"/>
+          <a:p>
+            <a:pPr algn="ctr"/>
+            <a:endParaRPr lang="zh-CN" altLang="en-US" dirty="0">
+              <a:solidFill>
+                <a:schemeClr val="tx1"/>
+              </a:solidFill>
+            </a:endParaRPr>
+          </a:p>
+        </p:txBody>
+      </p:sp>
+      <p:sp>
+        <p:nvSpPr>
+          <p:cNvPr id="42" name="文本框 41"/>
+          <p:cNvSpPr txBox="1"/>
+          <p:nvPr/>
+        </p:nvSpPr>
+        <p:spPr>
+          <a:xfrm>
+            <a:off x="6762115" y="2718435"/>
+            <a:ext cx="683895" cy="368300"/>
+          </a:xfrm>
+          <a:prstGeom prst="rect">
+            <a:avLst/>
+          </a:prstGeom>
+          <a:noFill/>
+        </p:spPr>
+        <p:txBody>
+          <a:bodyPr wrap="square" rtlCol="0">
+            <a:spAutoFit/>
+          </a:bodyPr>
+          <a:p>
+            <a:r>
+              <a:rPr lang="en-US" altLang="zh-CN"/>
+              <a:t>F</a:t>
+            </a:r>
+            <a:r>
+              <a:rPr lang="en-US" altLang="zh-CN"/>
+              <a:t>aaS</a:t>
+            </a:r>
+            <a:endParaRPr lang="en-US" altLang="zh-CN"/>
+          </a:p>
+        </p:txBody>
+      </p:sp>
+      <p:cxnSp>
+        <p:nvCxnSpPr>
+          <p:cNvPr id="43" name="直接箭头连接符 42"/>
+          <p:cNvCxnSpPr>
+            <a:stCxn id="36" idx="3"/>
+          </p:cNvCxnSpPr>
+          <p:nvPr/>
+        </p:nvCxnSpPr>
+        <p:spPr>
+          <a:xfrm>
+            <a:off x="5960745" y="4711065"/>
+            <a:ext cx="2654935" cy="0"/>
+          </a:xfrm>
+          <a:prstGeom prst="straightConnector1">
+            <a:avLst/>
+          </a:prstGeom>
+          <a:ln w="19050">
+            <a:solidFill>
+              <a:schemeClr val="tx1"/>
+            </a:solidFill>
+            <a:headEnd type="none" w="med" len="med"/>
+            <a:tailEnd type="triangle" w="med" len="med"/>
+          </a:ln>
+        </p:spPr>
+        <p:style>
+          <a:lnRef idx="1">
+            <a:schemeClr val="accent1"/>
+          </a:lnRef>
+          <a:fillRef idx="0">
+            <a:schemeClr val="accent1"/>
+          </a:fillRef>
+          <a:effectRef idx="0">
+            <a:schemeClr val="accent1"/>
+          </a:effectRef>
+          <a:fontRef idx="minor">
+            <a:schemeClr val="tx1"/>
+          </a:fontRef>
+        </p:style>
+      </p:cxnSp>
+      <p:cxnSp>
+        <p:nvCxnSpPr>
+          <p:cNvPr id="44" name="直接箭头连接符 43"/>
+          <p:cNvCxnSpPr>
+            <a:stCxn id="41" idx="3"/>
+          </p:cNvCxnSpPr>
+          <p:nvPr/>
+        </p:nvCxnSpPr>
+        <p:spPr>
+          <a:xfrm>
+            <a:off x="7571105" y="2902585"/>
+            <a:ext cx="1073150" cy="2540"/>
+          </a:xfrm>
+          <a:prstGeom prst="straightConnector1">
+            <a:avLst/>
+          </a:prstGeom>
+          <a:ln w="19050">
+            <a:solidFill>
+              <a:schemeClr val="tx1"/>
+            </a:solidFill>
+            <a:headEnd type="none" w="med" len="med"/>
+            <a:tailEnd type="triangle" w="med" len="med"/>
+          </a:ln>
+        </p:spPr>
+        <p:style>
+          <a:lnRef idx="1">
+            <a:schemeClr val="accent1"/>
+          </a:lnRef>
+          <a:fillRef idx="0">
+            <a:schemeClr val="accent1"/>
+          </a:fillRef>
+          <a:effectRef idx="0">
+            <a:schemeClr val="accent1"/>
+          </a:effectRef>
+          <a:fontRef idx="minor">
+            <a:schemeClr val="tx1"/>
+          </a:fontRef>
+        </p:style>
+      </p:cxnSp>
+      <p:cxnSp>
+        <p:nvCxnSpPr>
+          <p:cNvPr id="45" name="肘形连接符 44"/>
+          <p:cNvCxnSpPr>
+            <a:stCxn id="41" idx="3"/>
+          </p:cNvCxnSpPr>
+          <p:nvPr/>
+        </p:nvCxnSpPr>
+        <p:spPr>
+          <a:xfrm flipV="1">
+            <a:off x="7571105" y="2419985"/>
+            <a:ext cx="1054100" cy="482600"/>
+          </a:xfrm>
+          <a:prstGeom prst="bentConnector3">
+            <a:avLst>
+              <a:gd name="adj1" fmla="val 50000"/>
+            </a:avLst>
+          </a:prstGeom>
+          <a:ln w="19050">
+            <a:solidFill>
+              <a:schemeClr val="tx1"/>
+            </a:solidFill>
+            <a:headEnd type="none" w="med" len="med"/>
+            <a:tailEnd type="triangle" w="med" len="med"/>
+          </a:ln>
+        </p:spPr>
+        <p:style>
+          <a:lnRef idx="1">
+            <a:schemeClr val="accent1"/>
+          </a:lnRef>
+          <a:fillRef idx="0">
+            <a:schemeClr val="accent1"/>
+          </a:fillRef>
+          <a:effectRef idx="0">
+            <a:schemeClr val="accent1"/>
+          </a:effectRef>
+          <a:fontRef idx="minor">
+            <a:schemeClr val="tx1"/>
+          </a:fontRef>
+        </p:style>
+      </p:cxnSp>
+      <p:cxnSp>
+        <p:nvCxnSpPr>
+          <p:cNvPr id="46" name="肘形连接符 45"/>
+          <p:cNvCxnSpPr>
+            <a:stCxn id="41" idx="3"/>
+          </p:cNvCxnSpPr>
+          <p:nvPr/>
+        </p:nvCxnSpPr>
+        <p:spPr>
+          <a:xfrm>
+            <a:off x="7571105" y="2902585"/>
+            <a:ext cx="1054100" cy="449580"/>
+          </a:xfrm>
+          <a:prstGeom prst="bentConnector3">
+            <a:avLst>
+              <a:gd name="adj1" fmla="val 50000"/>
+            </a:avLst>
+          </a:prstGeom>
+          <a:ln w="19050">
+            <a:solidFill>
+              <a:schemeClr val="tx1"/>
+            </a:solidFill>
+            <a:headEnd type="none" w="med" len="med"/>
+            <a:tailEnd type="triangle" w="med" len="med"/>
+          </a:ln>
+        </p:spPr>
+        <p:style>
+          <a:lnRef idx="1">
+            <a:schemeClr val="accent1"/>
+          </a:lnRef>
+          <a:fillRef idx="0">
+            <a:schemeClr val="accent1"/>
+          </a:fillRef>
+          <a:effectRef idx="0">
+            <a:schemeClr val="accent1"/>
+          </a:effectRef>
+          <a:fontRef idx="minor">
+            <a:schemeClr val="tx1"/>
+          </a:fontRef>
+        </p:style>
+      </p:cxnSp>
+      <p:sp>
+        <p:nvSpPr>
+          <p:cNvPr id="48" name="文本框 47"/>
+          <p:cNvSpPr txBox="1"/>
+          <p:nvPr/>
+        </p:nvSpPr>
+        <p:spPr>
+          <a:xfrm>
+            <a:off x="8750300" y="2214880"/>
+            <a:ext cx="1586865" cy="368300"/>
+          </a:xfrm>
+          <a:prstGeom prst="rect">
+            <a:avLst/>
+          </a:prstGeom>
+          <a:solidFill>
+            <a:schemeClr val="accent4">
+              <a:lumMod val="60000"/>
+              <a:lumOff val="40000"/>
+            </a:schemeClr>
+          </a:solidFill>
+        </p:spPr>
+        <p:txBody>
+          <a:bodyPr wrap="square" rtlCol="0">
+            <a:spAutoFit/>
+          </a:bodyPr>
+          <a:p>
+            <a:r>
+              <a:rPr lang="en-US" altLang="zh-CN"/>
+              <a:t>my_function(3)</a:t>
+            </a:r>
+            <a:endParaRPr lang="en-US" altLang="zh-CN"/>
+          </a:p>
+        </p:txBody>
+      </p:sp>
+      <p:sp>
+        <p:nvSpPr>
+          <p:cNvPr id="49" name="文本框 48"/>
+          <p:cNvSpPr txBox="1"/>
+          <p:nvPr/>
+        </p:nvSpPr>
+        <p:spPr>
+          <a:xfrm>
+            <a:off x="8750300" y="2686685"/>
+            <a:ext cx="1578610" cy="368300"/>
+          </a:xfrm>
+          <a:prstGeom prst="rect">
+            <a:avLst/>
+          </a:prstGeom>
+          <a:solidFill>
+            <a:schemeClr val="accent4">
+              <a:lumMod val="60000"/>
+              <a:lumOff val="40000"/>
+            </a:schemeClr>
+          </a:solidFill>
+        </p:spPr>
+        <p:txBody>
+          <a:bodyPr wrap="square" rtlCol="0">
+            <a:spAutoFit/>
+          </a:bodyPr>
+          <a:p>
+            <a:r>
+              <a:rPr lang="en-US" altLang="zh-CN"/>
+              <a:t>my_function(6)</a:t>
+            </a:r>
+            <a:endParaRPr lang="en-US" altLang="zh-CN"/>
+          </a:p>
+        </p:txBody>
+      </p:sp>
+      <p:sp>
+        <p:nvSpPr>
+          <p:cNvPr id="50" name="文本框 49"/>
+          <p:cNvSpPr txBox="1"/>
+          <p:nvPr/>
+        </p:nvSpPr>
+        <p:spPr>
+          <a:xfrm>
+            <a:off x="8750300" y="3157855"/>
+            <a:ext cx="1578610" cy="368300"/>
+          </a:xfrm>
+          <a:prstGeom prst="rect">
+            <a:avLst/>
+          </a:prstGeom>
+          <a:solidFill>
+            <a:schemeClr val="accent4">
+              <a:lumMod val="60000"/>
+              <a:lumOff val="40000"/>
+            </a:schemeClr>
+          </a:solidFill>
+        </p:spPr>
+        <p:txBody>
+          <a:bodyPr wrap="square" rtlCol="0">
+            <a:spAutoFit/>
+          </a:bodyPr>
+          <a:p>
+            <a:r>
+              <a:rPr lang="en-US" altLang="zh-CN"/>
+              <a:t>my_function(9)</a:t>
+            </a:r>
+            <a:endParaRPr lang="en-US" altLang="zh-CN"/>
+          </a:p>
+        </p:txBody>
+      </p:sp>
+      <p:sp>
+        <p:nvSpPr>
+          <p:cNvPr id="51" name="矩形 50"/>
+          <p:cNvSpPr/>
+          <p:nvPr/>
+        </p:nvSpPr>
+        <p:spPr>
+          <a:xfrm>
+            <a:off x="8639175" y="4540885"/>
+            <a:ext cx="1969135" cy="924560"/>
+          </a:xfrm>
+          <a:prstGeom prst="rect">
+            <a:avLst/>
+          </a:prstGeom>
+          <a:noFill/>
+          <a:ln w="28575">
+            <a:solidFill>
+              <a:schemeClr val="tx1"/>
+            </a:solidFill>
+          </a:ln>
+        </p:spPr>
+        <p:style>
+          <a:lnRef idx="2">
+            <a:schemeClr val="accent1">
+              <a:shade val="50000"/>
+            </a:schemeClr>
+          </a:lnRef>
+          <a:fillRef idx="1">
+            <a:schemeClr val="accent1"/>
+          </a:fillRef>
+          <a:effectRef idx="0">
+            <a:schemeClr val="accent1"/>
+          </a:effectRef>
+          <a:fontRef idx="minor">
+            <a:schemeClr val="lt1"/>
+          </a:fontRef>
+        </p:style>
+        <p:txBody>
+          <a:bodyPr rtlCol="0" anchor="ctr"/>
+          <a:p>
+            <a:pPr algn="ctr"/>
+            <a:endParaRPr lang="zh-CN" altLang="en-US" dirty="0">
+              <a:solidFill>
+                <a:schemeClr val="tx1"/>
+              </a:solidFill>
+            </a:endParaRPr>
+          </a:p>
+        </p:txBody>
+      </p:sp>
+      <p:sp>
+        <p:nvSpPr>
+          <p:cNvPr id="52" name="文本框 51"/>
+          <p:cNvSpPr txBox="1"/>
+          <p:nvPr/>
+        </p:nvSpPr>
+        <p:spPr>
+          <a:xfrm>
+            <a:off x="8744585" y="4823460"/>
+            <a:ext cx="1757680" cy="368300"/>
+          </a:xfrm>
+          <a:prstGeom prst="rect">
+            <a:avLst/>
+          </a:prstGeom>
+          <a:noFill/>
+        </p:spPr>
+        <p:txBody>
+          <a:bodyPr wrap="square" rtlCol="0">
+            <a:spAutoFit/>
+          </a:bodyPr>
+          <a:p>
+            <a:r>
+              <a:rPr lang="en-US" altLang="zh-CN"/>
+              <a:t>Object Storage</a:t>
+            </a:r>
+            <a:endParaRPr lang="en-US" altLang="zh-CN"/>
+          </a:p>
+        </p:txBody>
+      </p:sp>
+      <p:cxnSp>
+        <p:nvCxnSpPr>
+          <p:cNvPr id="53" name="直接箭头连接符 52"/>
+          <p:cNvCxnSpPr/>
+          <p:nvPr/>
+        </p:nvCxnSpPr>
+        <p:spPr>
+          <a:xfrm flipV="1">
+            <a:off x="9129395" y="3551555"/>
+            <a:ext cx="0" cy="998855"/>
+          </a:xfrm>
+          <a:prstGeom prst="straightConnector1">
+            <a:avLst/>
+          </a:prstGeom>
+          <a:ln w="19050">
+            <a:solidFill>
+              <a:schemeClr val="tx1"/>
+            </a:solidFill>
+            <a:headEnd type="none" w="med" len="med"/>
+            <a:tailEnd type="triangle" w="med" len="med"/>
+          </a:ln>
+        </p:spPr>
+        <p:style>
+          <a:lnRef idx="1">
+            <a:schemeClr val="accent1"/>
+          </a:lnRef>
+          <a:fillRef idx="0">
+            <a:schemeClr val="accent1"/>
+          </a:fillRef>
+          <a:effectRef idx="0">
+            <a:schemeClr val="accent1"/>
+          </a:effectRef>
+          <a:fontRef idx="minor">
+            <a:schemeClr val="tx1"/>
+          </a:fontRef>
+        </p:style>
+      </p:cxnSp>
+      <p:cxnSp>
+        <p:nvCxnSpPr>
+          <p:cNvPr id="54" name="直接箭头连接符 53"/>
+          <p:cNvCxnSpPr/>
+          <p:nvPr/>
+        </p:nvCxnSpPr>
+        <p:spPr>
+          <a:xfrm>
+            <a:off x="10060940" y="3561080"/>
+            <a:ext cx="0" cy="979805"/>
+          </a:xfrm>
+          <a:prstGeom prst="straightConnector1">
+            <a:avLst/>
+          </a:prstGeom>
+          <a:ln w="19050">
+            <a:solidFill>
+              <a:schemeClr val="tx1"/>
+            </a:solidFill>
+            <a:headEnd type="none" w="med" len="med"/>
+            <a:tailEnd type="triangle" w="med" len="med"/>
+          </a:ln>
+        </p:spPr>
+        <p:style>
+          <a:lnRef idx="1">
+            <a:schemeClr val="accent1"/>
+          </a:lnRef>
+          <a:fillRef idx="0">
+            <a:schemeClr val="accent1"/>
+          </a:fillRef>
+          <a:effectRef idx="0">
+            <a:schemeClr val="accent1"/>
+          </a:effectRef>
+          <a:fontRef idx="minor">
+            <a:schemeClr val="tx1"/>
+          </a:fontRef>
+        </p:style>
+      </p:cxnSp>
+      <p:sp>
+        <p:nvSpPr>
+          <p:cNvPr id="55" name="文本框 54"/>
+          <p:cNvSpPr txBox="1"/>
+          <p:nvPr/>
+        </p:nvSpPr>
+        <p:spPr>
+          <a:xfrm>
+            <a:off x="6357620" y="4390390"/>
+            <a:ext cx="2195195" cy="337185"/>
+          </a:xfrm>
+          <a:prstGeom prst="rect">
+            <a:avLst/>
+          </a:prstGeom>
+          <a:noFill/>
+        </p:spPr>
+        <p:txBody>
+          <a:bodyPr wrap="square" rtlCol="0">
+            <a:spAutoFit/>
+          </a:bodyPr>
+          <a:p>
+            <a:r>
+              <a:rPr lang="en-US" altLang="zh-CN" sz="1600"/>
+              <a:t>Function code &amp; data</a:t>
+            </a:r>
+            <a:endParaRPr lang="en-US" altLang="zh-CN"/>
+          </a:p>
+        </p:txBody>
+      </p:sp>
+      <p:sp>
+        <p:nvSpPr>
+          <p:cNvPr id="56" name="文本框 55"/>
+          <p:cNvSpPr txBox="1"/>
+          <p:nvPr/>
+        </p:nvSpPr>
+        <p:spPr>
+          <a:xfrm>
+            <a:off x="7753985" y="3733800"/>
+            <a:ext cx="1441450" cy="583565"/>
+          </a:xfrm>
+          <a:prstGeom prst="rect">
+            <a:avLst/>
+          </a:prstGeom>
+          <a:noFill/>
+        </p:spPr>
+        <p:txBody>
+          <a:bodyPr wrap="square" rtlCol="0">
+            <a:spAutoFit/>
+          </a:bodyPr>
+          <a:p>
+            <a:pPr algn="ctr"/>
+            <a:r>
+              <a:rPr lang="en-US" altLang="zh-CN" sz="1600"/>
+              <a:t>Function code </a:t>
+            </a:r>
+            <a:endParaRPr lang="en-US" altLang="zh-CN" sz="1600"/>
+          </a:p>
+          <a:p>
+            <a:pPr algn="ctr"/>
+            <a:r>
+              <a:rPr lang="en-US" altLang="zh-CN" sz="1600"/>
+              <a:t>&amp; data</a:t>
+            </a:r>
+            <a:endParaRPr lang="en-US" altLang="zh-CN"/>
+          </a:p>
+        </p:txBody>
+      </p:sp>
+      <p:sp>
+        <p:nvSpPr>
+          <p:cNvPr id="57" name="文本框 56"/>
+          <p:cNvSpPr txBox="1"/>
+          <p:nvPr/>
+        </p:nvSpPr>
+        <p:spPr>
+          <a:xfrm>
+            <a:off x="9322435" y="3733800"/>
+            <a:ext cx="823595" cy="337185"/>
+          </a:xfrm>
+          <a:prstGeom prst="rect">
+            <a:avLst/>
+          </a:prstGeom>
+          <a:noFill/>
+        </p:spPr>
+        <p:txBody>
+          <a:bodyPr wrap="square" rtlCol="0">
+            <a:spAutoFit/>
+          </a:bodyPr>
+          <a:p>
+            <a:pPr algn="ctr"/>
+            <a:r>
+              <a:rPr lang="en-US" altLang="zh-CN" sz="1600"/>
+              <a:t>result</a:t>
+            </a:r>
+            <a:endParaRPr lang="en-US" altLang="zh-CN"/>
+          </a:p>
+        </p:txBody>
+      </p:sp>
+      <p:cxnSp>
+        <p:nvCxnSpPr>
+          <p:cNvPr id="58" name="直接箭头连接符 57"/>
+          <p:cNvCxnSpPr/>
+          <p:nvPr/>
+        </p:nvCxnSpPr>
+        <p:spPr>
+          <a:xfrm flipH="1">
+            <a:off x="3194685" y="5294630"/>
+            <a:ext cx="5449570" cy="6350"/>
+          </a:xfrm>
+          <a:prstGeom prst="straightConnector1">
+            <a:avLst/>
+          </a:prstGeom>
+          <a:ln w="19050">
+            <a:solidFill>
+              <a:schemeClr val="tx1"/>
+            </a:solidFill>
+            <a:headEnd type="none" w="med" len="med"/>
+            <a:tailEnd type="none" w="med" len="med"/>
+          </a:ln>
+        </p:spPr>
+        <p:style>
+          <a:lnRef idx="1">
+            <a:schemeClr val="accent1"/>
+          </a:lnRef>
+          <a:fillRef idx="0">
+            <a:schemeClr val="accent1"/>
+          </a:fillRef>
+          <a:effectRef idx="0">
+            <a:schemeClr val="accent1"/>
+          </a:effectRef>
+          <a:fontRef idx="minor">
+            <a:schemeClr val="tx1"/>
+          </a:fontRef>
+        </p:style>
+      </p:cxnSp>
+      <p:sp>
+        <p:nvSpPr>
+          <p:cNvPr id="59" name="文本框 58"/>
+          <p:cNvSpPr txBox="1"/>
+          <p:nvPr/>
+        </p:nvSpPr>
+        <p:spPr>
+          <a:xfrm>
+            <a:off x="6496050" y="4948555"/>
+            <a:ext cx="823595" cy="337185"/>
+          </a:xfrm>
+          <a:prstGeom prst="rect">
+            <a:avLst/>
+          </a:prstGeom>
+          <a:noFill/>
+        </p:spPr>
+        <p:txBody>
+          <a:bodyPr wrap="square" rtlCol="0">
+            <a:spAutoFit/>
+          </a:bodyPr>
+          <a:p>
+            <a:pPr algn="ctr"/>
+            <a:r>
+              <a:rPr lang="en-US" altLang="zh-CN" sz="1600"/>
+              <a:t>result</a:t>
+            </a:r>
+            <a:endParaRPr lang="en-US" altLang="zh-CN"/>
+          </a:p>
+        </p:txBody>
+      </p:sp>
+      <p:cxnSp>
+        <p:nvCxnSpPr>
+          <p:cNvPr id="60" name="直接箭头连接符 59"/>
+          <p:cNvCxnSpPr>
+            <a:endCxn id="31" idx="2"/>
+          </p:cNvCxnSpPr>
+          <p:nvPr/>
+        </p:nvCxnSpPr>
+        <p:spPr>
+          <a:xfrm flipV="1">
+            <a:off x="3194685" y="4563745"/>
+            <a:ext cx="635" cy="728345"/>
+          </a:xfrm>
+          <a:prstGeom prst="straightConnector1">
+            <a:avLst/>
+          </a:prstGeom>
+          <a:ln w="19050">
+            <a:solidFill>
+              <a:schemeClr val="tx1"/>
+            </a:solidFill>
+            <a:headEnd type="none" w="med" len="med"/>
+            <a:tailEnd type="triangle" w="med" len="med"/>
+          </a:ln>
+        </p:spPr>
+        <p:style>
+          <a:lnRef idx="1">
+            <a:schemeClr val="accent1"/>
+          </a:lnRef>
+          <a:fillRef idx="0">
+            <a:schemeClr val="accent1"/>
+          </a:fillRef>
+          <a:effectRef idx="0">
+            <a:schemeClr val="accent1"/>
+          </a:effectRef>
+          <a:fontRef idx="minor">
+            <a:schemeClr val="tx1"/>
+          </a:fontRef>
+        </p:style>
+      </p:cxnSp>
     </p:spTree>
   </p:cSld>
   <p:clrMapOvr>
@@ -3999,13 +5643,27 @@
         </p:nvSpPr>
         <p:spPr/>
         <p:txBody>
-          <a:bodyPr/>
-          <a:p>
-            <a:r>
-              <a:rPr lang="zh-CN" altLang="en-US"/>
-              <a:t>下一步</a:t>
-            </a:r>
-            <a:endParaRPr lang="zh-CN" altLang="en-US"/>
+          <a:bodyPr>
+            <a:normAutofit/>
+          </a:bodyPr>
+          <a:p>
+            <a:r>
+              <a:rPr lang="en-US" altLang="zh-CN">
+                <a:sym typeface="+mn-ea"/>
+              </a:rPr>
+              <a:t>Pywren </a:t>
+            </a:r>
+            <a:r>
+              <a:rPr lang="en-US" altLang="zh-CN" i="1">
+                <a:sym typeface="+mn-ea"/>
+              </a:rPr>
+              <a:t>vs </a:t>
+            </a:r>
+            <a:r>
+              <a:rPr lang="en-US" altLang="zh-CN"/>
+              <a:t>Lithops </a:t>
+            </a:r>
+            <a:endParaRPr lang="en-US" altLang="zh-CN"/>
           </a:p>
         </p:txBody>
       </p:sp>
@@ -4019,144 +5677,90 @@
             <p:ph idx="1"/>
           </p:nvPr>
         </p:nvSpPr>
-        <p:spPr>
-          <a:xfrm>
-            <a:off x="850900" y="1361812"/>
-            <a:ext cx="10515600" cy="4796737"/>
-          </a:xfrm>
-        </p:spPr>
+        <p:spPr/>
         <p:txBody>
           <a:bodyPr/>
           <a:p>
-            <a:r>
-              <a:rPr lang="en-US" altLang="zh-CN"/>
-              <a:t> Related </a:t>
-            </a:r>
-            <a:r>
-              <a:rPr lang="en-US" altLang="zh-CN"/>
-              <a:t>work</a:t>
-            </a:r>
+            <a:pPr marL="0" indent="0">
+              <a:buNone/>
+            </a:pPr>
             <a:endParaRPr lang="en-US" altLang="zh-CN"/>
           </a:p>
           <a:p>
-            <a:pPr lvl="1"/>
-            <a:r>
-              <a:rPr lang="en-US" altLang="zh-CN">
-                <a:latin typeface="等线" panose="02010600030101010101" charset="-122"/>
-                <a:ea typeface="等线" panose="02010600030101010101" charset="-122"/>
-              </a:rPr>
-              <a:t> Wukong</a:t>
-            </a:r>
-            <a:r>
-              <a:rPr lang="en-US" altLang="zh-CN" baseline="30000">
-                <a:latin typeface="等线" panose="02010600030101010101" charset="-122"/>
-                <a:ea typeface="等线" panose="02010600030101010101" charset="-122"/>
-              </a:rPr>
-              <a:t>[1]    </a:t>
-            </a:r>
-            <a:r>
-              <a:rPr lang="en-US" altLang="zh-CN">
-                <a:latin typeface="等线" panose="02010600030101010101" charset="-122"/>
-                <a:ea typeface="等线" panose="02010600030101010101" charset="-122"/>
-              </a:rPr>
-              <a:t> (open source)</a:t>
-            </a:r>
-            <a:endParaRPr lang="en-US" altLang="zh-CN">
-              <a:latin typeface="等线" panose="02010600030101010101" charset="-122"/>
-              <a:ea typeface="等线" panose="02010600030101010101" charset="-122"/>
-            </a:endParaRPr>
-          </a:p>
-          <a:p>
-            <a:pPr lvl="1"/>
-            <a:r>
-              <a:rPr lang="en-US" altLang="zh-CN">
-                <a:latin typeface="等线" panose="02010600030101010101" charset="-122"/>
-                <a:ea typeface="等线" panose="02010600030101010101" charset="-122"/>
-              </a:rPr>
-              <a:t> FaaSFlow</a:t>
-            </a:r>
-            <a:r>
-              <a:rPr lang="en-US" altLang="zh-CN" baseline="30000">
-                <a:latin typeface="等线" panose="02010600030101010101" charset="-122"/>
-                <a:ea typeface="等线" panose="02010600030101010101" charset="-122"/>
-              </a:rPr>
-              <a:t>[2]    </a:t>
-            </a:r>
-            <a:r>
-              <a:rPr lang="en-US" altLang="zh-CN">
-                <a:latin typeface="等线" panose="02010600030101010101" charset="-122"/>
-                <a:ea typeface="等线" panose="02010600030101010101" charset="-122"/>
-                <a:sym typeface="+mn-ea"/>
-              </a:rPr>
-              <a:t>(open source)</a:t>
-            </a:r>
-            <a:endParaRPr lang="en-US" altLang="zh-CN">
-              <a:latin typeface="等线" panose="02010600030101010101" charset="-122"/>
-              <a:ea typeface="等线" panose="02010600030101010101" charset="-122"/>
-              <a:sym typeface="+mn-ea"/>
-            </a:endParaRPr>
-          </a:p>
-          <a:p>
-            <a:pPr lvl="1"/>
-            <a:endParaRPr lang="en-US" altLang="zh-CN" baseline="30000">
-              <a:latin typeface="等线" panose="02010600030101010101" charset="-122"/>
-              <a:ea typeface="等线" panose="02010600030101010101" charset="-122"/>
-            </a:endParaRPr>
-          </a:p>
-          <a:p>
-            <a:pPr lvl="0"/>
-            <a:r>
-              <a:rPr lang="en-US" altLang="zh-CN" baseline="30000">
-                <a:latin typeface="等线" panose="02010600030101010101" charset="-122"/>
-                <a:ea typeface="等线" panose="02010600030101010101" charset="-122"/>
-              </a:rPr>
-              <a:t> </a:t>
-            </a:r>
-            <a:r>
-              <a:rPr lang="zh-CN" altLang="en-US">
-                <a:cs typeface="微软雅黑" panose="020B0503020204020204" charset="-122"/>
-              </a:rPr>
-              <a:t>在</a:t>
-            </a:r>
-            <a:r>
-              <a:rPr lang="en-US" altLang="zh-CN">
-                <a:cs typeface="微软雅黑" panose="020B0503020204020204" charset="-122"/>
-              </a:rPr>
-              <a:t>Wukong/FaasFlow</a:t>
-            </a:r>
-            <a:r>
-              <a:rPr lang="zh-CN" altLang="en-US">
-                <a:cs typeface="微软雅黑" panose="020B0503020204020204" charset="-122"/>
-              </a:rPr>
-              <a:t>上实现</a:t>
-            </a:r>
-            <a:r>
-              <a:rPr lang="en-US" altLang="zh-CN">
-                <a:cs typeface="微软雅黑" panose="020B0503020204020204" charset="-122"/>
-              </a:rPr>
-              <a:t>multistage shuffle</a:t>
-            </a:r>
-            <a:endParaRPr lang="en-US" altLang="zh-CN">
-              <a:cs typeface="微软雅黑" panose="020B0503020204020204" charset="-122"/>
-            </a:endParaRPr>
-          </a:p>
-        </p:txBody>
-      </p:sp>
-      <p:sp>
-        <p:nvSpPr>
-          <p:cNvPr id="5" name="文本框 4"/>
-          <p:cNvSpPr txBox="1"/>
+            <a:pPr marL="457200" lvl="1" indent="0">
+              <a:buNone/>
+            </a:pPr>
+            <a:endParaRPr lang="en-US" altLang="zh-CN"/>
+          </a:p>
+        </p:txBody>
+      </p:sp>
+      <p:sp>
+        <p:nvSpPr>
+          <p:cNvPr id="4" name="矩形 3"/>
+          <p:cNvSpPr/>
           <p:nvPr/>
         </p:nvSpPr>
         <p:spPr>
           <a:xfrm>
-            <a:off x="0" y="6212840"/>
-            <a:ext cx="10696575" cy="645160"/>
+            <a:off x="3305810" y="2038350"/>
+            <a:ext cx="1055370" cy="628015"/>
           </a:xfrm>
           <a:prstGeom prst="rect">
             <a:avLst/>
           </a:prstGeom>
           <a:noFill/>
+          <a:ln w="28575" cmpd="sng">
+            <a:solidFill>
+              <a:schemeClr val="bg2">
+                <a:lumMod val="75000"/>
+              </a:schemeClr>
+            </a:solidFill>
+            <a:prstDash val="solid"/>
+          </a:ln>
+        </p:spPr>
+        <p:style>
+          <a:lnRef idx="2">
+            <a:schemeClr val="accent1">
+              <a:shade val="50000"/>
+            </a:schemeClr>
+          </a:lnRef>
+          <a:fillRef idx="1">
+            <a:schemeClr val="accent1"/>
+          </a:fillRef>
+          <a:effectRef idx="0">
+            <a:schemeClr val="accent1"/>
+          </a:effectRef>
+          <a:fontRef idx="minor">
+            <a:schemeClr val="lt1"/>
+          </a:fontRef>
+        </p:style>
+        <p:txBody>
+          <a:bodyPr rtlCol="0" anchor="ctr"/>
+          <a:p>
+            <a:pPr algn="ctr"/>
+            <a:endParaRPr lang="zh-CN" altLang="en-US" dirty="0">
+              <a:solidFill>
+                <a:schemeClr val="tx1"/>
+              </a:solidFill>
+            </a:endParaRPr>
+          </a:p>
+        </p:txBody>
+      </p:sp>
+      <p:sp>
+        <p:nvSpPr>
+          <p:cNvPr id="5" name="文本框 4"/>
+          <p:cNvSpPr txBox="1"/>
+          <p:nvPr/>
+        </p:nvSpPr>
+        <p:spPr>
+          <a:xfrm>
+            <a:off x="3305810" y="2168525"/>
+            <a:ext cx="1043940" cy="368300"/>
+          </a:xfrm>
+          <a:prstGeom prst="rect">
+            <a:avLst/>
+          </a:prstGeom>
+          <a:noFill/>
         </p:spPr>
         <p:txBody>
           <a:bodyPr wrap="square" rtlCol="0">
@@ -4164,16 +5768,161 @@
           </a:bodyPr>
           <a:p>
             <a:r>
+              <a:rPr lang="en-US" altLang="zh-CN" b="1">
+                <a:latin typeface="微软雅黑" panose="020B0503020204020204" charset="-122"/>
+                <a:ea typeface="微软雅黑" panose="020B0503020204020204" charset="-122"/>
+              </a:rPr>
+              <a:t>Pywren</a:t>
+            </a:r>
+            <a:endParaRPr lang="en-US" altLang="zh-CN" b="1">
+              <a:latin typeface="微软雅黑" panose="020B0503020204020204" charset="-122"/>
+              <a:ea typeface="微软雅黑" panose="020B0503020204020204" charset="-122"/>
+            </a:endParaRPr>
+          </a:p>
+        </p:txBody>
+      </p:sp>
+      <p:sp>
+        <p:nvSpPr>
+          <p:cNvPr id="6" name="文本框 5"/>
+          <p:cNvSpPr txBox="1"/>
+          <p:nvPr/>
+        </p:nvSpPr>
+        <p:spPr>
+          <a:xfrm>
+            <a:off x="0" y="5666740"/>
+            <a:ext cx="10696575" cy="1198880"/>
+          </a:xfrm>
+          <a:prstGeom prst="rect">
+            <a:avLst/>
+          </a:prstGeom>
+          <a:noFill/>
+        </p:spPr>
+        <p:txBody>
+          <a:bodyPr wrap="square" rtlCol="0">
+            <a:spAutoFit/>
+          </a:bodyPr>
+          <a:p>
+            <a:r>
               <a:rPr lang="zh-CN" altLang="en-US">
+                <a:solidFill>
+                  <a:schemeClr val="bg2">
+                    <a:lumMod val="50000"/>
+                  </a:schemeClr>
+                </a:solidFill>
+              </a:rPr>
+              <a:t>[1] </a:t>
+            </a:r>
+            <a:r>
+              <a:rPr lang="en-US" altLang="zh-CN">
+                <a:solidFill>
+                  <a:schemeClr val="bg2">
+                    <a:lumMod val="50000"/>
+                  </a:schemeClr>
+                </a:solidFill>
+              </a:rPr>
+              <a:t>Pywren: Occupy the Cloud: Distributed Computing for the 99%  SoCC’17</a:t>
+            </a:r>
+            <a:endParaRPr lang="en-US" altLang="zh-CN">
+              <a:solidFill>
+                <a:schemeClr val="bg2">
+                  <a:lumMod val="50000"/>
+                </a:schemeClr>
+              </a:solidFill>
+            </a:endParaRPr>
+          </a:p>
+          <a:p>
+            <a:r>
+              <a:rPr lang="en-US" altLang="zh-CN">
+                <a:solidFill>
+                  <a:schemeClr val="bg2">
+                    <a:lumMod val="50000"/>
+                  </a:schemeClr>
+                </a:solidFill>
+              </a:rPr>
+              <a:t>[2] </a:t>
+            </a:r>
+            <a:r>
+              <a:rPr lang="zh-CN" altLang="en-US">
+                <a:solidFill>
+                  <a:schemeClr val="bg2">
+                    <a:lumMod val="50000"/>
+                  </a:schemeClr>
+                </a:solidFill>
+              </a:rPr>
+              <a:t>Lithops: Serverless Data Analytics in the IBM Cloud</a:t>
+            </a:r>
+            <a:r>
+              <a:rPr lang="en-US" altLang="zh-CN">
+                <a:solidFill>
+                  <a:schemeClr val="bg2">
+                    <a:lumMod val="50000"/>
+                  </a:schemeClr>
+                </a:solidFill>
+              </a:rPr>
+              <a:t>  Middleware’18</a:t>
+            </a:r>
+            <a:endParaRPr lang="en-US" altLang="zh-CN">
+              <a:solidFill>
+                <a:schemeClr val="bg2">
+                  <a:lumMod val="50000"/>
+                </a:schemeClr>
+              </a:solidFill>
+            </a:endParaRPr>
+          </a:p>
+          <a:p>
+            <a:r>
+              <a:rPr lang="en-US" altLang="zh-CN">
+                <a:solidFill>
+                  <a:schemeClr val="bg2">
+                    <a:lumMod val="50000"/>
+                  </a:schemeClr>
+                </a:solidFill>
+                <a:sym typeface="+mn-ea"/>
+              </a:rPr>
+              <a:t>[3] Locus: Shuffling, Fast and Slow: Scalable Analytics on Serverless Infrastructure  NSDI’19</a:t>
+            </a:r>
+            <a:endParaRPr lang="en-US" altLang="zh-CN">
+              <a:solidFill>
+                <a:schemeClr val="bg2">
+                  <a:lumMod val="50000"/>
+                </a:schemeClr>
+              </a:solidFill>
+              <a:sym typeface="+mn-ea"/>
+            </a:endParaRPr>
+          </a:p>
+          <a:p>
+            <a:r>
+              <a:rPr lang="en-US" altLang="zh-CN">
+                <a:solidFill>
+                  <a:schemeClr val="bg2">
+                    <a:lumMod val="50000"/>
+                  </a:schemeClr>
+                </a:solidFill>
+              </a:rPr>
+              <a:t>[4]</a:t>
+            </a:r>
+            <a:r>
+              <a:rPr lang="en-US" altLang="zh-CN">
                 <a:solidFill>
                   <a:schemeClr val="bg2">
                     <a:lumMod val="75000"/>
                   </a:schemeClr>
                 </a:solidFill>
               </a:rPr>
-              <a:t>[1] Wukong: A Scalable and Locality-Enhanced Framework for Serverless Parallel Computing SoCC’20</a:t>
-            </a:r>
-            <a:endParaRPr lang="zh-CN" altLang="en-US">
+              <a:t> </a:t>
+            </a:r>
+            <a:r>
+              <a:rPr lang="en-US" altLang="zh-CN">
+                <a:solidFill>
+                  <a:schemeClr val="bg2">
+                    <a:lumMod val="50000"/>
+                  </a:schemeClr>
+                </a:solidFill>
+                <a:sym typeface="+mn-ea"/>
+              </a:rPr>
+              <a:t>Caerus: NIMBLE Task Scheduling for Serverless Analytics  NSDI’21</a:t>
+            </a:r>
+            <a:endParaRPr lang="en-US" altLang="zh-CN">
               <a:solidFill>
                 <a:schemeClr val="bg2">
                   <a:lumMod val="75000"/>
@@ -4181,24 +5930,611 @@
               </a:solidFill>
             </a:endParaRPr>
           </a:p>
-          <a:p>
-            <a:r>
-              <a:rPr lang="zh-CN" altLang="en-US">
-                <a:solidFill>
-                  <a:schemeClr val="bg2">
-                    <a:lumMod val="75000"/>
-                  </a:schemeClr>
-                </a:solidFill>
-              </a:rPr>
-              <a:t>[2] FaaSFlow: Enable Efficient Workflow Execution for Function-as-a-Service ASPLOS’22</a:t>
-            </a:r>
-            <a:endParaRPr lang="zh-CN" altLang="en-US">
+        </p:txBody>
+      </p:sp>
+      <p:sp>
+        <p:nvSpPr>
+          <p:cNvPr id="7" name="矩形 6"/>
+          <p:cNvSpPr/>
+          <p:nvPr/>
+        </p:nvSpPr>
+        <p:spPr>
+          <a:xfrm>
+            <a:off x="7275195" y="2038350"/>
+            <a:ext cx="1055370" cy="628015"/>
+          </a:xfrm>
+          <a:prstGeom prst="rect">
+            <a:avLst/>
+          </a:prstGeom>
+          <a:noFill/>
+          <a:ln w="28575" cmpd="sng">
+            <a:solidFill>
+              <a:schemeClr val="bg2">
+                <a:lumMod val="75000"/>
+              </a:schemeClr>
+            </a:solidFill>
+            <a:prstDash val="solid"/>
+          </a:ln>
+        </p:spPr>
+        <p:style>
+          <a:lnRef idx="2">
+            <a:schemeClr val="accent1">
+              <a:shade val="50000"/>
+            </a:schemeClr>
+          </a:lnRef>
+          <a:fillRef idx="1">
+            <a:schemeClr val="accent1"/>
+          </a:fillRef>
+          <a:effectRef idx="0">
+            <a:schemeClr val="accent1"/>
+          </a:effectRef>
+          <a:fontRef idx="minor">
+            <a:schemeClr val="lt1"/>
+          </a:fontRef>
+        </p:style>
+        <p:txBody>
+          <a:bodyPr rtlCol="0" anchor="ctr"/>
+          <a:p>
+            <a:pPr algn="ctr"/>
+            <a:endParaRPr lang="zh-CN" altLang="en-US" dirty="0">
               <a:solidFill>
-                <a:schemeClr val="bg2">
-                  <a:lumMod val="75000"/>
-                </a:schemeClr>
+                <a:schemeClr val="tx1"/>
               </a:solidFill>
             </a:endParaRPr>
+          </a:p>
+        </p:txBody>
+      </p:sp>
+      <p:sp>
+        <p:nvSpPr>
+          <p:cNvPr id="8" name="文本框 7"/>
+          <p:cNvSpPr txBox="1"/>
+          <p:nvPr/>
+        </p:nvSpPr>
+        <p:spPr>
+          <a:xfrm>
+            <a:off x="7275195" y="2168525"/>
+            <a:ext cx="1043940" cy="368300"/>
+          </a:xfrm>
+          <a:prstGeom prst="rect">
+            <a:avLst/>
+          </a:prstGeom>
+          <a:noFill/>
+        </p:spPr>
+        <p:txBody>
+          <a:bodyPr wrap="square" rtlCol="0">
+            <a:spAutoFit/>
+          </a:bodyPr>
+          <a:p>
+            <a:r>
+              <a:rPr lang="en-US" altLang="zh-CN" b="1">
+                <a:latin typeface="微软雅黑" panose="020B0503020204020204" charset="-122"/>
+                <a:ea typeface="微软雅黑" panose="020B0503020204020204" charset="-122"/>
+              </a:rPr>
+              <a:t>Lithops</a:t>
+            </a:r>
+            <a:endParaRPr lang="en-US" altLang="zh-CN" b="1">
+              <a:latin typeface="微软雅黑" panose="020B0503020204020204" charset="-122"/>
+              <a:ea typeface="微软雅黑" panose="020B0503020204020204" charset="-122"/>
+            </a:endParaRPr>
+          </a:p>
+        </p:txBody>
+      </p:sp>
+      <p:sp>
+        <p:nvSpPr>
+          <p:cNvPr id="9" name="文本框 8"/>
+          <p:cNvSpPr txBox="1"/>
+          <p:nvPr/>
+        </p:nvSpPr>
+        <p:spPr>
+          <a:xfrm>
+            <a:off x="3317240" y="1548765"/>
+            <a:ext cx="1043940" cy="368300"/>
+          </a:xfrm>
+          <a:prstGeom prst="rect">
+            <a:avLst/>
+          </a:prstGeom>
+          <a:noFill/>
+        </p:spPr>
+        <p:txBody>
+          <a:bodyPr wrap="square" rtlCol="0">
+            <a:spAutoFit/>
+          </a:bodyPr>
+          <a:p>
+            <a:r>
+              <a:rPr lang="en-US" altLang="zh-CN"/>
+              <a:t>SoCC’17</a:t>
+            </a:r>
+            <a:endParaRPr lang="en-US" altLang="zh-CN"/>
+          </a:p>
+        </p:txBody>
+      </p:sp>
+      <p:sp>
+        <p:nvSpPr>
+          <p:cNvPr id="12" name="文本框 11"/>
+          <p:cNvSpPr txBox="1"/>
+          <p:nvPr/>
+        </p:nvSpPr>
+        <p:spPr>
+          <a:xfrm>
+            <a:off x="6960870" y="1548130"/>
+            <a:ext cx="1684020" cy="368300"/>
+          </a:xfrm>
+          <a:prstGeom prst="rect">
+            <a:avLst/>
+          </a:prstGeom>
+          <a:noFill/>
+        </p:spPr>
+        <p:txBody>
+          <a:bodyPr wrap="square" rtlCol="0">
+            <a:spAutoFit/>
+          </a:bodyPr>
+          <a:p>
+            <a:r>
+              <a:rPr lang="en-US" altLang="zh-CN"/>
+              <a:t>Middleware’18</a:t>
+            </a:r>
+            <a:endParaRPr lang="en-US" altLang="zh-CN"/>
+          </a:p>
+        </p:txBody>
+      </p:sp>
+      <p:cxnSp>
+        <p:nvCxnSpPr>
+          <p:cNvPr id="13" name="直接箭头连接符 12"/>
+          <p:cNvCxnSpPr>
+            <a:stCxn id="5" idx="3"/>
+            <a:endCxn id="8" idx="1"/>
+          </p:cNvCxnSpPr>
+          <p:nvPr/>
+        </p:nvCxnSpPr>
+        <p:spPr>
+          <a:xfrm>
+            <a:off x="4349750" y="2352675"/>
+            <a:ext cx="2925445" cy="0"/>
+          </a:xfrm>
+          <a:prstGeom prst="straightConnector1">
+            <a:avLst/>
+          </a:prstGeom>
+          <a:ln w="19050">
+            <a:solidFill>
+              <a:schemeClr val="tx1"/>
+            </a:solidFill>
+            <a:headEnd type="none" w="med" len="med"/>
+            <a:tailEnd type="arrow" w="med" len="med"/>
+          </a:ln>
+        </p:spPr>
+        <p:style>
+          <a:lnRef idx="1">
+            <a:schemeClr val="accent1"/>
+          </a:lnRef>
+          <a:fillRef idx="0">
+            <a:schemeClr val="accent1"/>
+          </a:fillRef>
+          <a:effectRef idx="0">
+            <a:schemeClr val="accent1"/>
+          </a:effectRef>
+          <a:fontRef idx="minor">
+            <a:schemeClr val="tx1"/>
+          </a:fontRef>
+        </p:style>
+      </p:cxnSp>
+      <p:cxnSp>
+        <p:nvCxnSpPr>
+          <p:cNvPr id="10" name="直接箭头连接符 9"/>
+          <p:cNvCxnSpPr>
+            <a:stCxn id="4" idx="2"/>
+            <a:endCxn id="11" idx="0"/>
+          </p:cNvCxnSpPr>
+          <p:nvPr/>
+        </p:nvCxnSpPr>
+        <p:spPr>
+          <a:xfrm>
+            <a:off x="3833495" y="2666365"/>
+            <a:ext cx="5715" cy="715010"/>
+          </a:xfrm>
+          <a:prstGeom prst="straightConnector1">
+            <a:avLst/>
+          </a:prstGeom>
+          <a:ln w="19050">
+            <a:solidFill>
+              <a:schemeClr val="tx1"/>
+            </a:solidFill>
+            <a:prstDash val="sysDash"/>
+            <a:headEnd type="none" w="med" len="med"/>
+            <a:tailEnd type="arrow" w="med" len="med"/>
+          </a:ln>
+        </p:spPr>
+        <p:style>
+          <a:lnRef idx="1">
+            <a:schemeClr val="accent1"/>
+          </a:lnRef>
+          <a:fillRef idx="0">
+            <a:schemeClr val="accent1"/>
+          </a:fillRef>
+          <a:effectRef idx="0">
+            <a:schemeClr val="accent1"/>
+          </a:effectRef>
+          <a:fontRef idx="minor">
+            <a:schemeClr val="tx1"/>
+          </a:fontRef>
+        </p:style>
+      </p:cxnSp>
+      <p:sp>
+        <p:nvSpPr>
+          <p:cNvPr id="11" name="矩形 10"/>
+          <p:cNvSpPr/>
+          <p:nvPr/>
+        </p:nvSpPr>
+        <p:spPr>
+          <a:xfrm>
+            <a:off x="3311525" y="3381375"/>
+            <a:ext cx="1055370" cy="628015"/>
+          </a:xfrm>
+          <a:prstGeom prst="rect">
+            <a:avLst/>
+          </a:prstGeom>
+          <a:noFill/>
+          <a:ln w="28575" cmpd="sng">
+            <a:solidFill>
+              <a:schemeClr val="bg2">
+                <a:lumMod val="75000"/>
+              </a:schemeClr>
+            </a:solidFill>
+            <a:prstDash val="solid"/>
+          </a:ln>
+        </p:spPr>
+        <p:style>
+          <a:lnRef idx="2">
+            <a:schemeClr val="accent1">
+              <a:shade val="50000"/>
+            </a:schemeClr>
+          </a:lnRef>
+          <a:fillRef idx="1">
+            <a:schemeClr val="accent1"/>
+          </a:fillRef>
+          <a:effectRef idx="0">
+            <a:schemeClr val="accent1"/>
+          </a:effectRef>
+          <a:fontRef idx="minor">
+            <a:schemeClr val="lt1"/>
+          </a:fontRef>
+        </p:style>
+        <p:txBody>
+          <a:bodyPr rtlCol="0" anchor="ctr"/>
+          <a:p>
+            <a:pPr algn="ctr"/>
+            <a:endParaRPr lang="zh-CN" altLang="en-US" dirty="0">
+              <a:solidFill>
+                <a:schemeClr val="tx1"/>
+              </a:solidFill>
+            </a:endParaRPr>
+          </a:p>
+        </p:txBody>
+      </p:sp>
+      <p:sp>
+        <p:nvSpPr>
+          <p:cNvPr id="14" name="文本框 13"/>
+          <p:cNvSpPr txBox="1"/>
+          <p:nvPr/>
+        </p:nvSpPr>
+        <p:spPr>
+          <a:xfrm>
+            <a:off x="3409950" y="3510915"/>
+            <a:ext cx="859155" cy="368300"/>
+          </a:xfrm>
+          <a:prstGeom prst="rect">
+            <a:avLst/>
+          </a:prstGeom>
+          <a:noFill/>
+        </p:spPr>
+        <p:txBody>
+          <a:bodyPr wrap="square" rtlCol="0">
+            <a:spAutoFit/>
+          </a:bodyPr>
+          <a:p>
+            <a:r>
+              <a:rPr lang="en-US" altLang="zh-CN" b="1">
+                <a:latin typeface="微软雅黑" panose="020B0503020204020204" charset="-122"/>
+                <a:ea typeface="微软雅黑" panose="020B0503020204020204" charset="-122"/>
+              </a:rPr>
+              <a:t>Locus</a:t>
+            </a:r>
+            <a:endParaRPr lang="en-US" altLang="zh-CN" b="1">
+              <a:latin typeface="微软雅黑" panose="020B0503020204020204" charset="-122"/>
+              <a:ea typeface="微软雅黑" panose="020B0503020204020204" charset="-122"/>
+            </a:endParaRPr>
+          </a:p>
+        </p:txBody>
+      </p:sp>
+      <p:sp>
+        <p:nvSpPr>
+          <p:cNvPr id="15" name="文本框 14"/>
+          <p:cNvSpPr txBox="1"/>
+          <p:nvPr/>
+        </p:nvSpPr>
+        <p:spPr>
+          <a:xfrm>
+            <a:off x="2204720" y="3510915"/>
+            <a:ext cx="999490" cy="368300"/>
+          </a:xfrm>
+          <a:prstGeom prst="rect">
+            <a:avLst/>
+          </a:prstGeom>
+          <a:noFill/>
+        </p:spPr>
+        <p:txBody>
+          <a:bodyPr wrap="square" rtlCol="0">
+            <a:spAutoFit/>
+          </a:bodyPr>
+          <a:p>
+            <a:r>
+              <a:rPr lang="en-US" altLang="zh-CN"/>
+              <a:t>NSDI’19</a:t>
+            </a:r>
+            <a:endParaRPr lang="en-US" altLang="zh-CN"/>
+          </a:p>
+        </p:txBody>
+      </p:sp>
+      <p:cxnSp>
+        <p:nvCxnSpPr>
+          <p:cNvPr id="18" name="直接箭头连接符 17"/>
+          <p:cNvCxnSpPr>
+            <a:stCxn id="11" idx="2"/>
+            <a:endCxn id="24" idx="0"/>
+          </p:cNvCxnSpPr>
+          <p:nvPr/>
+        </p:nvCxnSpPr>
+        <p:spPr>
+          <a:xfrm>
+            <a:off x="3839210" y="4009390"/>
+            <a:ext cx="5715" cy="715010"/>
+          </a:xfrm>
+          <a:prstGeom prst="straightConnector1">
+            <a:avLst/>
+          </a:prstGeom>
+          <a:ln w="19050">
+            <a:solidFill>
+              <a:schemeClr val="tx1"/>
+            </a:solidFill>
+            <a:prstDash val="sysDash"/>
+            <a:headEnd type="none" w="med" len="med"/>
+            <a:tailEnd type="arrow" w="med" len="med"/>
+          </a:ln>
+        </p:spPr>
+        <p:style>
+          <a:lnRef idx="1">
+            <a:schemeClr val="accent1"/>
+          </a:lnRef>
+          <a:fillRef idx="0">
+            <a:schemeClr val="accent1"/>
+          </a:fillRef>
+          <a:effectRef idx="0">
+            <a:schemeClr val="accent1"/>
+          </a:effectRef>
+          <a:fontRef idx="minor">
+            <a:schemeClr val="tx1"/>
+          </a:fontRef>
+        </p:style>
+      </p:cxnSp>
+      <p:sp>
+        <p:nvSpPr>
+          <p:cNvPr id="24" name="矩形 23"/>
+          <p:cNvSpPr/>
+          <p:nvPr/>
+        </p:nvSpPr>
+        <p:spPr>
+          <a:xfrm>
+            <a:off x="3317240" y="4724400"/>
+            <a:ext cx="1055370" cy="628015"/>
+          </a:xfrm>
+          <a:prstGeom prst="rect">
+            <a:avLst/>
+          </a:prstGeom>
+          <a:noFill/>
+          <a:ln w="28575" cmpd="sng">
+            <a:solidFill>
+              <a:schemeClr val="bg2">
+                <a:lumMod val="75000"/>
+              </a:schemeClr>
+            </a:solidFill>
+            <a:prstDash val="solid"/>
+          </a:ln>
+        </p:spPr>
+        <p:style>
+          <a:lnRef idx="2">
+            <a:schemeClr val="accent1">
+              <a:shade val="50000"/>
+            </a:schemeClr>
+          </a:lnRef>
+          <a:fillRef idx="1">
+            <a:schemeClr val="accent1"/>
+          </a:fillRef>
+          <a:effectRef idx="0">
+            <a:schemeClr val="accent1"/>
+          </a:effectRef>
+          <a:fontRef idx="minor">
+            <a:schemeClr val="lt1"/>
+          </a:fontRef>
+        </p:style>
+        <p:txBody>
+          <a:bodyPr rtlCol="0" anchor="ctr"/>
+          <a:p>
+            <a:pPr algn="ctr"/>
+            <a:endParaRPr lang="zh-CN" altLang="en-US" dirty="0">
+              <a:solidFill>
+                <a:schemeClr val="tx1"/>
+              </a:solidFill>
+            </a:endParaRPr>
+          </a:p>
+        </p:txBody>
+      </p:sp>
+      <p:sp>
+        <p:nvSpPr>
+          <p:cNvPr id="25" name="文本框 24"/>
+          <p:cNvSpPr txBox="1"/>
+          <p:nvPr/>
+        </p:nvSpPr>
+        <p:spPr>
+          <a:xfrm>
+            <a:off x="3365500" y="4859020"/>
+            <a:ext cx="1005205" cy="368300"/>
+          </a:xfrm>
+          <a:prstGeom prst="rect">
+            <a:avLst/>
+          </a:prstGeom>
+          <a:noFill/>
+        </p:spPr>
+        <p:txBody>
+          <a:bodyPr wrap="square" rtlCol="0">
+            <a:spAutoFit/>
+          </a:bodyPr>
+          <a:p>
+            <a:r>
+              <a:rPr lang="en-US" altLang="zh-CN" b="1">
+                <a:latin typeface="微软雅黑" panose="020B0503020204020204" charset="-122"/>
+                <a:ea typeface="微软雅黑" panose="020B0503020204020204" charset="-122"/>
+              </a:rPr>
+              <a:t>Caerus</a:t>
+            </a:r>
+            <a:endParaRPr lang="en-US" altLang="zh-CN" b="1">
+              <a:latin typeface="微软雅黑" panose="020B0503020204020204" charset="-122"/>
+              <a:ea typeface="微软雅黑" panose="020B0503020204020204" charset="-122"/>
+            </a:endParaRPr>
+          </a:p>
+        </p:txBody>
+      </p:sp>
+      <p:sp>
+        <p:nvSpPr>
+          <p:cNvPr id="26" name="文本框 25"/>
+          <p:cNvSpPr txBox="1"/>
+          <p:nvPr/>
+        </p:nvSpPr>
+        <p:spPr>
+          <a:xfrm>
+            <a:off x="2215515" y="4859020"/>
+            <a:ext cx="999490" cy="368300"/>
+          </a:xfrm>
+          <a:prstGeom prst="rect">
+            <a:avLst/>
+          </a:prstGeom>
+          <a:noFill/>
+        </p:spPr>
+        <p:txBody>
+          <a:bodyPr wrap="square" rtlCol="0">
+            <a:spAutoFit/>
+          </a:bodyPr>
+          <a:p>
+            <a:r>
+              <a:rPr lang="en-US" altLang="zh-CN"/>
+              <a:t>NSDI’21</a:t>
+            </a:r>
+            <a:endParaRPr lang="en-US" altLang="zh-CN"/>
+          </a:p>
+        </p:txBody>
+      </p:sp>
+      <p:sp>
+        <p:nvSpPr>
+          <p:cNvPr id="17" name="文本框 16"/>
+          <p:cNvSpPr txBox="1"/>
+          <p:nvPr/>
+        </p:nvSpPr>
+        <p:spPr>
+          <a:xfrm>
+            <a:off x="5180330" y="2038350"/>
+            <a:ext cx="1264920" cy="645160"/>
+          </a:xfrm>
+          <a:prstGeom prst="rect">
+            <a:avLst/>
+          </a:prstGeom>
+          <a:noFill/>
+        </p:spPr>
+        <p:txBody>
+          <a:bodyPr wrap="square" rtlCol="0">
+            <a:spAutoFit/>
+          </a:bodyPr>
+          <a:p>
+            <a:r>
+              <a:rPr lang="zh-CN" altLang="en-US"/>
+              <a:t>完善功能</a:t>
+            </a:r>
+            <a:r>
+              <a:rPr lang="zh-CN" altLang="en-US"/>
+              <a:t>增加特性</a:t>
+            </a:r>
+            <a:endParaRPr lang="zh-CN" altLang="en-US"/>
+          </a:p>
+        </p:txBody>
+      </p:sp>
+      <p:sp>
+        <p:nvSpPr>
+          <p:cNvPr id="27" name="文本框 26"/>
+          <p:cNvSpPr txBox="1"/>
+          <p:nvPr/>
+        </p:nvSpPr>
+        <p:spPr>
+          <a:xfrm>
+            <a:off x="4589780" y="3422015"/>
+            <a:ext cx="6492875" cy="645160"/>
+          </a:xfrm>
+          <a:prstGeom prst="rect">
+            <a:avLst/>
+          </a:prstGeom>
+          <a:noFill/>
+        </p:spPr>
+        <p:txBody>
+          <a:bodyPr wrap="square" rtlCol="0">
+            <a:spAutoFit/>
+          </a:bodyPr>
+          <a:p>
+            <a:r>
+              <a:rPr lang="en-US" altLang="zh-CN"/>
+              <a:t>C</a:t>
+            </a:r>
+            <a:r>
+              <a:rPr lang="zh-CN" altLang="en-US"/>
+              <a:t>ombines slow storage with fast but expensive storage</a:t>
+            </a:r>
+            <a:r>
+              <a:rPr lang="en-US" altLang="zh-CN"/>
+              <a:t> for state </a:t>
+            </a:r>
+            <a:r>
+              <a:rPr lang="en-US" altLang="zh-CN"/>
+              <a:t>management</a:t>
+            </a:r>
+            <a:endParaRPr lang="en-US" altLang="zh-CN"/>
+          </a:p>
+        </p:txBody>
+      </p:sp>
+      <p:sp>
+        <p:nvSpPr>
+          <p:cNvPr id="28" name="文本框 27"/>
+          <p:cNvSpPr txBox="1"/>
+          <p:nvPr/>
+        </p:nvSpPr>
+        <p:spPr>
+          <a:xfrm>
+            <a:off x="4589780" y="4707255"/>
+            <a:ext cx="6492875" cy="645160"/>
+          </a:xfrm>
+          <a:prstGeom prst="rect">
+            <a:avLst/>
+          </a:prstGeom>
+          <a:noFill/>
+        </p:spPr>
+        <p:txBody>
+          <a:bodyPr wrap="square" rtlCol="0">
+            <a:spAutoFit/>
+          </a:bodyPr>
+          <a:p>
+            <a:r>
+              <a:rPr lang="en-US"/>
+              <a:t>Sub-task scheduling to minimize execution and job completion </a:t>
+            </a:r>
+            <a:r>
+              <a:rPr lang="en-US"/>
+              <a:t>time</a:t>
+            </a:r>
+            <a:endParaRPr lang="en-US"/>
           </a:p>
         </p:txBody>
       </p:sp>
@@ -4207,6 +6543,509 @@
   <p:clrMapOvr>
     <a:masterClrMapping/>
   </p:clrMapOvr>
+  <p:timing>
+    <p:tnLst>
+      <p:par>
+        <p:cTn id="1" dur="indefinite" restart="never" nodeType="tmRoot">
+          <p:childTnLst>
+            <p:seq concurrent="1" nextAc="seek">
+              <p:cTn id="2" dur="indefinite" nodeType="mainSeq">
+                <p:childTnLst>
+                  <p:par>
+                    <p:cTn id="3" fill="hold">
+                      <p:stCondLst>
+                        <p:cond delay="indefinite"/>
+                      </p:stCondLst>
+                      <p:childTnLst>
+                        <p:par>
+                          <p:cTn id="4" fill="hold">
+                            <p:stCondLst>
+                              <p:cond delay="0"/>
+                            </p:stCondLst>
+                            <p:childTnLst>
+                              <p:par>
+                                <p:cTn id="5" presetID="1" presetClass="entr" presetSubtype="0" fill="hold" grpId="0" nodeType="clickEffect">
+                                  <p:stCondLst>
+                                    <p:cond delay="0"/>
+                                  </p:stCondLst>
+                                  <p:childTnLst>
+                                    <p:set>
+                                      <p:cBhvr>
+                                        <p:cTn id="6" dur="1" fill="hold">
+                                          <p:stCondLst>
+                                            <p:cond delay="0"/>
+                                          </p:stCondLst>
+                                        </p:cTn>
+                                        <p:tgtEl>
+                                          <p:spTgt spid="7"/>
+                                        </p:tgtEl>
+                                        <p:attrNameLst>
+                                          <p:attrName>style.visibility</p:attrName>
+                                        </p:attrNameLst>
+                                      </p:cBhvr>
+                                      <p:to>
+                                        <p:strVal val="visible"/>
+                                      </p:to>
+                                    </p:set>
+                                  </p:childTnLst>
+                                </p:cTn>
+                              </p:par>
+                              <p:par>
+                                <p:cTn id="7" presetID="1" presetClass="entr" presetSubtype="0" fill="hold" grpId="0" nodeType="withEffect">
+                                  <p:stCondLst>
+                                    <p:cond delay="0"/>
+                                  </p:stCondLst>
+                                  <p:childTnLst>
+                                    <p:set>
+                                      <p:cBhvr>
+                                        <p:cTn id="8" dur="1" fill="hold">
+                                          <p:stCondLst>
+                                            <p:cond delay="0"/>
+                                          </p:stCondLst>
+                                        </p:cTn>
+                                        <p:tgtEl>
+                                          <p:spTgt spid="8"/>
+                                        </p:tgtEl>
+                                        <p:attrNameLst>
+                                          <p:attrName>style.visibility</p:attrName>
+                                        </p:attrNameLst>
+                                      </p:cBhvr>
+                                      <p:to>
+                                        <p:strVal val="visible"/>
+                                      </p:to>
+                                    </p:set>
+                                  </p:childTnLst>
+                                </p:cTn>
+                              </p:par>
+                              <p:par>
+                                <p:cTn id="9" presetID="1" presetClass="entr" presetSubtype="0" fill="hold" grpId="0" nodeType="withEffect">
+                                  <p:stCondLst>
+                                    <p:cond delay="0"/>
+                                  </p:stCondLst>
+                                  <p:childTnLst>
+                                    <p:set>
+                                      <p:cBhvr>
+                                        <p:cTn id="10" dur="1" fill="hold">
+                                          <p:stCondLst>
+                                            <p:cond delay="0"/>
+                                          </p:stCondLst>
+                                        </p:cTn>
+                                        <p:tgtEl>
+                                          <p:spTgt spid="12"/>
+                                        </p:tgtEl>
+                                        <p:attrNameLst>
+                                          <p:attrName>style.visibility</p:attrName>
+                                        </p:attrNameLst>
+                                      </p:cBhvr>
+                                      <p:to>
+                                        <p:strVal val="visible"/>
+                                      </p:to>
+                                    </p:set>
+                                  </p:childTnLst>
+                                </p:cTn>
+                              </p:par>
+                              <p:par>
+                                <p:cTn id="11" presetID="1" presetClass="entr" presetSubtype="0" fill="hold" grpId="0" nodeType="withEffect">
+                                  <p:stCondLst>
+                                    <p:cond delay="0"/>
+                                  </p:stCondLst>
+                                  <p:childTnLst>
+                                    <p:set>
+                                      <p:cBhvr>
+                                        <p:cTn id="12" dur="1" fill="hold">
+                                          <p:stCondLst>
+                                            <p:cond delay="0"/>
+                                          </p:stCondLst>
+                                        </p:cTn>
+                                        <p:tgtEl>
+                                          <p:spTgt spid="17"/>
+                                        </p:tgtEl>
+                                        <p:attrNameLst>
+                                          <p:attrName>style.visibility</p:attrName>
+                                        </p:attrNameLst>
+                                      </p:cBhvr>
+                                      <p:to>
+                                        <p:strVal val="visible"/>
+                                      </p:to>
+                                    </p:set>
+                                  </p:childTnLst>
+                                </p:cTn>
+                              </p:par>
+                              <p:par>
+                                <p:cTn id="13" presetID="1" presetClass="entr" presetSubtype="0" fill="hold" nodeType="withEffect">
+                                  <p:stCondLst>
+                                    <p:cond delay="0"/>
+                                  </p:stCondLst>
+                                  <p:childTnLst>
+                                    <p:set>
+                                      <p:cBhvr>
+                                        <p:cTn id="14" dur="1" fill="hold">
+                                          <p:stCondLst>
+                                            <p:cond delay="0"/>
+                                          </p:stCondLst>
+                                        </p:cTn>
+                                        <p:tgtEl>
+                                          <p:spTgt spid="13"/>
+                                        </p:tgtEl>
+                                        <p:attrNameLst>
+                                          <p:attrName>style.visibility</p:attrName>
+                                        </p:attrNameLst>
+                                      </p:cBhvr>
+                                      <p:to>
+                                        <p:strVal val="visible"/>
+                                      </p:to>
+                                    </p:set>
+                                  </p:childTnLst>
+                                </p:cTn>
+                              </p:par>
+                            </p:childTnLst>
+                          </p:cTn>
+                        </p:par>
+                      </p:childTnLst>
+                    </p:cTn>
+                  </p:par>
+                  <p:par>
+                    <p:cTn id="15" fill="hold">
+                      <p:stCondLst>
+                        <p:cond delay="indefinite"/>
+                      </p:stCondLst>
+                      <p:childTnLst>
+                        <p:par>
+                          <p:cTn id="16" fill="hold">
+                            <p:stCondLst>
+                              <p:cond delay="0"/>
+                            </p:stCondLst>
+                            <p:childTnLst>
+                              <p:par>
+                                <p:cTn id="17" presetID="1" presetClass="entr" presetSubtype="0" fill="hold" grpId="0" nodeType="clickEffect">
+                                  <p:stCondLst>
+                                    <p:cond delay="0"/>
+                                  </p:stCondLst>
+                                  <p:childTnLst>
+                                    <p:set>
+                                      <p:cBhvr>
+                                        <p:cTn id="18" dur="1" fill="hold">
+                                          <p:stCondLst>
+                                            <p:cond delay="0"/>
+                                          </p:stCondLst>
+                                        </p:cTn>
+                                        <p:tgtEl>
+                                          <p:spTgt spid="11"/>
+                                        </p:tgtEl>
+                                        <p:attrNameLst>
+                                          <p:attrName>style.visibility</p:attrName>
+                                        </p:attrNameLst>
+                                      </p:cBhvr>
+                                      <p:to>
+                                        <p:strVal val="visible"/>
+                                      </p:to>
+                                    </p:set>
+                                  </p:childTnLst>
+                                </p:cTn>
+                              </p:par>
+                              <p:par>
+                                <p:cTn id="19" presetID="1" presetClass="entr" presetSubtype="0" fill="hold" grpId="0" nodeType="withEffect">
+                                  <p:stCondLst>
+                                    <p:cond delay="0"/>
+                                  </p:stCondLst>
+                                  <p:childTnLst>
+                                    <p:set>
+                                      <p:cBhvr>
+                                        <p:cTn id="20" dur="1" fill="hold">
+                                          <p:stCondLst>
+                                            <p:cond delay="0"/>
+                                          </p:stCondLst>
+                                        </p:cTn>
+                                        <p:tgtEl>
+                                          <p:spTgt spid="14"/>
+                                        </p:tgtEl>
+                                        <p:attrNameLst>
+                                          <p:attrName>style.visibility</p:attrName>
+                                        </p:attrNameLst>
+                                      </p:cBhvr>
+                                      <p:to>
+                                        <p:strVal val="visible"/>
+                                      </p:to>
+                                    </p:set>
+                                  </p:childTnLst>
+                                </p:cTn>
+                              </p:par>
+                              <p:par>
+                                <p:cTn id="21" presetID="1" presetClass="entr" presetSubtype="0" fill="hold" grpId="0" nodeType="withEffect">
+                                  <p:stCondLst>
+                                    <p:cond delay="0"/>
+                                  </p:stCondLst>
+                                  <p:childTnLst>
+                                    <p:set>
+                                      <p:cBhvr>
+                                        <p:cTn id="22" dur="1" fill="hold">
+                                          <p:stCondLst>
+                                            <p:cond delay="0"/>
+                                          </p:stCondLst>
+                                        </p:cTn>
+                                        <p:tgtEl>
+                                          <p:spTgt spid="15"/>
+                                        </p:tgtEl>
+                                        <p:attrNameLst>
+                                          <p:attrName>style.visibility</p:attrName>
+                                        </p:attrNameLst>
+                                      </p:cBhvr>
+                                      <p:to>
+                                        <p:strVal val="visible"/>
+                                      </p:to>
+                                    </p:set>
+                                  </p:childTnLst>
+                                </p:cTn>
+                              </p:par>
+                              <p:par>
+                                <p:cTn id="23" presetID="1" presetClass="entr" presetSubtype="0" fill="hold" nodeType="withEffect">
+                                  <p:stCondLst>
+                                    <p:cond delay="0"/>
+                                  </p:stCondLst>
+                                  <p:childTnLst>
+                                    <p:set>
+                                      <p:cBhvr>
+                                        <p:cTn id="24" dur="1" fill="hold">
+                                          <p:stCondLst>
+                                            <p:cond delay="0"/>
+                                          </p:stCondLst>
+                                        </p:cTn>
+                                        <p:tgtEl>
+                                          <p:spTgt spid="10"/>
+                                        </p:tgtEl>
+                                        <p:attrNameLst>
+                                          <p:attrName>style.visibility</p:attrName>
+                                        </p:attrNameLst>
+                                      </p:cBhvr>
+                                      <p:to>
+                                        <p:strVal val="visible"/>
+                                      </p:to>
+                                    </p:set>
+                                  </p:childTnLst>
+                                </p:cTn>
+                              </p:par>
+                              <p:par>
+                                <p:cTn id="25" presetID="1" presetClass="entr" presetSubtype="0" fill="hold" grpId="0" nodeType="withEffect">
+                                  <p:stCondLst>
+                                    <p:cond delay="0"/>
+                                  </p:stCondLst>
+                                  <p:childTnLst>
+                                    <p:set>
+                                      <p:cBhvr>
+                                        <p:cTn id="26" dur="1" fill="hold">
+                                          <p:stCondLst>
+                                            <p:cond delay="0"/>
+                                          </p:stCondLst>
+                                        </p:cTn>
+                                        <p:tgtEl>
+                                          <p:spTgt spid="27"/>
+                                        </p:tgtEl>
+                                        <p:attrNameLst>
+                                          <p:attrName>style.visibility</p:attrName>
+                                        </p:attrNameLst>
+                                      </p:cBhvr>
+                                      <p:to>
+                                        <p:strVal val="visible"/>
+                                      </p:to>
+                                    </p:set>
+                                  </p:childTnLst>
+                                </p:cTn>
+                              </p:par>
+                            </p:childTnLst>
+                          </p:cTn>
+                        </p:par>
+                      </p:childTnLst>
+                    </p:cTn>
+                  </p:par>
+                  <p:par>
+                    <p:cTn id="27" fill="hold">
+                      <p:stCondLst>
+                        <p:cond delay="indefinite"/>
+                      </p:stCondLst>
+                      <p:childTnLst>
+                        <p:par>
+                          <p:cTn id="28" fill="hold">
+                            <p:stCondLst>
+                              <p:cond delay="0"/>
+                            </p:stCondLst>
+                            <p:childTnLst>
+                              <p:par>
+                                <p:cTn id="29" presetID="1" presetClass="entr" presetSubtype="0" fill="hold" grpId="0" nodeType="clickEffect">
+                                  <p:stCondLst>
+                                    <p:cond delay="0"/>
+                                  </p:stCondLst>
+                                  <p:childTnLst>
+                                    <p:set>
+                                      <p:cBhvr>
+                                        <p:cTn id="30" dur="1" fill="hold">
+                                          <p:stCondLst>
+                                            <p:cond delay="0"/>
+                                          </p:stCondLst>
+                                        </p:cTn>
+                                        <p:tgtEl>
+                                          <p:spTgt spid="24"/>
+                                        </p:tgtEl>
+                                        <p:attrNameLst>
+                                          <p:attrName>style.visibility</p:attrName>
+                                        </p:attrNameLst>
+                                      </p:cBhvr>
+                                      <p:to>
+                                        <p:strVal val="visible"/>
+                                      </p:to>
+                                    </p:set>
+                                  </p:childTnLst>
+                                </p:cTn>
+                              </p:par>
+                              <p:par>
+                                <p:cTn id="31" presetID="1" presetClass="entr" presetSubtype="0" fill="hold" grpId="0" nodeType="withEffect">
+                                  <p:stCondLst>
+                                    <p:cond delay="0"/>
+                                  </p:stCondLst>
+                                  <p:childTnLst>
+                                    <p:set>
+                                      <p:cBhvr>
+                                        <p:cTn id="32" dur="1" fill="hold">
+                                          <p:stCondLst>
+                                            <p:cond delay="0"/>
+                                          </p:stCondLst>
+                                        </p:cTn>
+                                        <p:tgtEl>
+                                          <p:spTgt spid="25"/>
+                                        </p:tgtEl>
+                                        <p:attrNameLst>
+                                          <p:attrName>style.visibility</p:attrName>
+                                        </p:attrNameLst>
+                                      </p:cBhvr>
+                                      <p:to>
+                                        <p:strVal val="visible"/>
+                                      </p:to>
+                                    </p:set>
+                                  </p:childTnLst>
+                                </p:cTn>
+                              </p:par>
+                              <p:par>
+                                <p:cTn id="33" presetID="1" presetClass="entr" presetSubtype="0" fill="hold" grpId="0" nodeType="withEffect">
+                                  <p:stCondLst>
+                                    <p:cond delay="0"/>
+                                  </p:stCondLst>
+                                  <p:childTnLst>
+                                    <p:set>
+                                      <p:cBhvr>
+                                        <p:cTn id="34" dur="1" fill="hold">
+                                          <p:stCondLst>
+                                            <p:cond delay="0"/>
+                                          </p:stCondLst>
+                                        </p:cTn>
+                                        <p:tgtEl>
+                                          <p:spTgt spid="26"/>
+                                        </p:tgtEl>
+                                        <p:attrNameLst>
+                                          <p:attrName>style.visibility</p:attrName>
+                                        </p:attrNameLst>
+                                      </p:cBhvr>
+                                      <p:to>
+                                        <p:strVal val="visible"/>
+                                      </p:to>
+                                    </p:set>
+                                  </p:childTnLst>
+                                </p:cTn>
+                              </p:par>
+                              <p:par>
+                                <p:cTn id="35" presetID="1" presetClass="entr" presetSubtype="0" fill="hold" nodeType="withEffect">
+                                  <p:stCondLst>
+                                    <p:cond delay="0"/>
+                                  </p:stCondLst>
+                                  <p:childTnLst>
+                                    <p:set>
+                                      <p:cBhvr>
+                                        <p:cTn id="36" dur="1" fill="hold">
+                                          <p:stCondLst>
+                                            <p:cond delay="0"/>
+                                          </p:stCondLst>
+                                        </p:cTn>
+                                        <p:tgtEl>
+                                          <p:spTgt spid="18"/>
+                                        </p:tgtEl>
+                                        <p:attrNameLst>
+                                          <p:attrName>style.visibility</p:attrName>
+                                        </p:attrNameLst>
+                                      </p:cBhvr>
+                                      <p:to>
+                                        <p:strVal val="visible"/>
+                                      </p:to>
+                                    </p:set>
+                                  </p:childTnLst>
+                                </p:cTn>
+                              </p:par>
+                              <p:par>
+                                <p:cTn id="37" presetID="1" presetClass="entr" presetSubtype="0" fill="hold" grpId="0" nodeType="withEffect">
+                                  <p:stCondLst>
+                                    <p:cond delay="0"/>
+                                  </p:stCondLst>
+                                  <p:childTnLst>
+                                    <p:set>
+                                      <p:cBhvr>
+                                        <p:cTn id="38" dur="1" fill="hold">
+                                          <p:stCondLst>
+                                            <p:cond delay="0"/>
+                                          </p:stCondLst>
+                                        </p:cTn>
+                                        <p:tgtEl>
+                                          <p:spTgt spid="28"/>
+                                        </p:tgtEl>
+                                        <p:attrNameLst>
+                                          <p:attrName>style.visibility</p:attrName>
+                                        </p:attrNameLst>
+                                      </p:cBhvr>
+                                      <p:to>
+                                        <p:strVal val="visible"/>
+                                      </p:to>
+                                    </p:set>
+                                  </p:childTnLst>
+                                </p:cTn>
+                              </p:par>
+                            </p:childTnLst>
+                          </p:cTn>
+                        </p:par>
+                      </p:childTnLst>
+                    </p:cTn>
+                  </p:par>
+                </p:childTnLst>
+              </p:cTn>
+              <p:prevCondLst>
+                <p:cond evt="onPrev" delay="0">
+                  <p:tgtEl>
+                    <p:sldTgt/>
+                  </p:tgtEl>
+                </p:cond>
+              </p:prevCondLst>
+              <p:nextCondLst>
+                <p:cond evt="onNext" delay="0">
+                  <p:tgtEl>
+                    <p:sldTgt/>
+                  </p:tgtEl>
+                </p:cond>
+              </p:nextCondLst>
+            </p:seq>
+          </p:childTnLst>
+        </p:cTn>
+      </p:par>
+    </p:tnLst>
+    <p:bldLst>
+      <p:bldP spid="11" grpId="0" bldLvl="0" animBg="1"/>
+      <p:bldP spid="14" grpId="0"/>
+      <p:bldP spid="15" grpId="0"/>
+      <p:bldP spid="24" grpId="0" bldLvl="0" animBg="1"/>
+      <p:bldP spid="25" grpId="0"/>
+      <p:bldP spid="26" grpId="0"/>
+      <p:bldP spid="27" grpId="0"/>
+      <p:bldP spid="28" grpId="0"/>
+      <p:bldP spid="7" grpId="0" animBg="1"/>
+      <p:bldP spid="8" grpId="0"/>
+      <p:bldP spid="12" grpId="0"/>
+      <p:bldP spid="17" grpId="0"/>
+    </p:bldLst>
+  </p:timing>
 </p:sld>
 </file>
 
@@ -4232,124 +7071,690 @@
         </p:nvSpPr>
         <p:spPr/>
         <p:txBody>
-          <a:bodyPr/>
-          <a:p>
-            <a:r>
-              <a:rPr lang="en-US" altLang="zh-CN"/>
-              <a:t>Reference</a:t>
-            </a:r>
-            <a:endParaRPr lang="en-US" altLang="zh-CN"/>
-          </a:p>
-        </p:txBody>
-      </p:sp>
-      <p:sp>
-        <p:nvSpPr>
-          <p:cNvPr id="24" name="文本框 23"/>
-          <p:cNvSpPr txBox="1"/>
-          <p:nvPr/>
-        </p:nvSpPr>
-        <p:spPr>
-          <a:xfrm>
-            <a:off x="838200" y="1380490"/>
-            <a:ext cx="11238865" cy="1938020"/>
-          </a:xfrm>
-          <a:prstGeom prst="rect">
-            <a:avLst/>
-          </a:prstGeom>
-          <a:noFill/>
-        </p:spPr>
-        <p:txBody>
-          <a:bodyPr wrap="square" rtlCol="0">
-            <a:spAutoFit/>
+          <a:bodyPr>
+            <a:normAutofit/>
           </a:bodyPr>
           <a:p>
-            <a:pPr>
-              <a:lnSpc>
-                <a:spcPct val="200000"/>
-              </a:lnSpc>
-            </a:pPr>
-            <a:r>
-              <a:rPr lang="en-US" altLang="zh-CN" sz="2000">
-                <a:solidFill>
-                  <a:schemeClr val="bg2">
-                    <a:lumMod val="50000"/>
-                  </a:schemeClr>
-                </a:solidFill>
+            <a:r>
+              <a:rPr lang="en-US" altLang="zh-CN">
                 <a:sym typeface="+mn-ea"/>
               </a:rPr>
-              <a:t>[1] Wukong: A Scalable and Locality-Enhanced Framework for Serverless Parallel Computing S</a:t>
-            </a:r>
-            <a:r>
-              <a:rPr lang="en-US" altLang="zh-CN" sz="2000">
-                <a:solidFill>
-                  <a:schemeClr val="bg2">
-                    <a:lumMod val="50000"/>
-                  </a:schemeClr>
-                </a:solidFill>
+              <a:t>Pywren</a:t>
+            </a:r>
+            <a:r>
+              <a:rPr lang="en-US" altLang="zh-CN">
                 <a:sym typeface="+mn-ea"/>
               </a:rPr>
-              <a:t>oCC’20</a:t>
-            </a:r>
-            <a:endParaRPr lang="en-US" altLang="zh-CN" sz="2000">
-              <a:solidFill>
-                <a:schemeClr val="bg2">
-                  <a:lumMod val="50000"/>
-                </a:schemeClr>
-              </a:solidFill>
-              <a:sym typeface="+mn-ea"/>
-            </a:endParaRPr>
-          </a:p>
-          <a:p>
-            <a:pPr>
-              <a:lnSpc>
-                <a:spcPct val="200000"/>
-              </a:lnSpc>
-            </a:pPr>
-            <a:r>
-              <a:rPr lang="en-US" altLang="zh-CN" sz="2000">
-                <a:solidFill>
-                  <a:schemeClr val="bg2">
-                    <a:lumMod val="50000"/>
-                  </a:schemeClr>
-                </a:solidFill>
+              <a:t> </a:t>
+            </a:r>
+            <a:r>
+              <a:rPr lang="en-US" altLang="zh-CN" i="1">
                 <a:sym typeface="+mn-ea"/>
               </a:rPr>
-              <a:t>[2] FaaSFlow: Enable Efficient Workflow Execution for Function-as-a-Service ASPLOS’22</a:t>
-            </a:r>
-            <a:endParaRPr lang="en-US" altLang="zh-CN" sz="2000">
-              <a:solidFill>
-                <a:schemeClr val="bg2">
-                  <a:lumMod val="50000"/>
-                </a:schemeClr>
-              </a:solidFill>
-              <a:sym typeface="+mn-ea"/>
-            </a:endParaRPr>
-          </a:p>
-          <a:p>
-            <a:pPr>
-              <a:lnSpc>
-                <a:spcPct val="200000"/>
-              </a:lnSpc>
-            </a:pPr>
-            <a:r>
-              <a:rPr lang="en-US" altLang="zh-CN" sz="2000">
-                <a:solidFill>
-                  <a:schemeClr val="bg2">
-                    <a:lumMod val="50000"/>
-                  </a:schemeClr>
-                </a:solidFill>
+              <a:t>vs</a:t>
+            </a:r>
+            <a:r>
+              <a:rPr lang="en-US" altLang="zh-CN">
                 <a:sym typeface="+mn-ea"/>
               </a:rPr>
-              <a:t>[3] Starling: A Scalable Query Engine on Cloud Functions SIGMOD’20</a:t>
-            </a:r>
-            <a:endParaRPr lang="en-US" altLang="zh-CN" sz="2000">
-              <a:solidFill>
-                <a:schemeClr val="bg2">
-                  <a:lumMod val="50000"/>
-                </a:schemeClr>
-              </a:solidFill>
-              <a:sym typeface="+mn-ea"/>
-            </a:endParaRPr>
+              <a:t> </a:t>
+            </a:r>
+            <a:r>
+              <a:rPr lang="en-US" altLang="zh-CN">
+                <a:sym typeface="+mn-ea"/>
+              </a:rPr>
+              <a:t>Lithops</a:t>
+            </a:r>
+            <a:endParaRPr lang="en-US" altLang="zh-CN"/>
+          </a:p>
+        </p:txBody>
+      </p:sp>
+      <p:sp>
+        <p:nvSpPr>
+          <p:cNvPr id="3" name="内容占位符 2"/>
+          <p:cNvSpPr>
+            <a:spLocks noGrp="1"/>
+          </p:cNvSpPr>
+          <p:nvPr>
+            <p:ph idx="1"/>
+          </p:nvPr>
+        </p:nvSpPr>
+        <p:spPr/>
+        <p:txBody>
+          <a:bodyPr/>
+          <a:p>
+            <a:pPr marL="0" indent="0">
+              <a:buNone/>
+            </a:pPr>
+            <a:endParaRPr lang="en-US" altLang="zh-CN"/>
+          </a:p>
+          <a:p>
+            <a:pPr marL="457200" lvl="1" indent="0">
+              <a:buNone/>
+            </a:pPr>
+            <a:endParaRPr lang="en-US" altLang="zh-CN"/>
+          </a:p>
+        </p:txBody>
+      </p:sp>
+      <p:graphicFrame>
+        <p:nvGraphicFramePr>
+          <p:cNvPr id="27" name="表格 2"/>
+          <p:cNvGraphicFramePr>
+            <a:graphicFrameLocks noGrp="1"/>
+          </p:cNvGraphicFramePr>
+          <p:nvPr>
+            <p:custDataLst>
+              <p:tags r:id="rId1"/>
+            </p:custDataLst>
+          </p:nvPr>
+        </p:nvGraphicFramePr>
+        <p:xfrm>
+          <a:off x="2712720" y="1380490"/>
+          <a:ext cx="6767195" cy="4427855"/>
+        </p:xfrm>
+        <a:graphic>
+          <a:graphicData uri="http://schemas.openxmlformats.org/drawingml/2006/table">
+            <a:tbl>
+              <a:tblPr firstRow="1" bandRow="1">
+                <a:tableStyleId>{5C22544A-7EE6-4342-B048-85BDC9FD1C3A}</a:tableStyleId>
+              </a:tblPr>
+              <a:tblGrid>
+                <a:gridCol w="2147570"/>
+                <a:gridCol w="2228850"/>
+                <a:gridCol w="2390775"/>
+              </a:tblGrid>
+              <a:tr h="583565">
+                <a:tc>
+                  <a:txBody>
+                    <a:bodyPr/>
+                    <a:p>
+                      <a:pPr algn="ctr"/>
+                      <a:r>
+                        <a:rPr lang="en-US" altLang="zh-CN" dirty="0"/>
+                        <a:t> </a:t>
+                      </a:r>
+                      <a:endParaRPr lang="en-US" altLang="zh-CN" dirty="0"/>
+                    </a:p>
+                  </a:txBody>
+                  <a:tcPr/>
+                </a:tc>
+                <a:tc>
+                  <a:txBody>
+                    <a:bodyPr/>
+                    <a:p>
+                      <a:pPr algn="ctr"/>
+                      <a:r>
+                        <a:rPr lang="en-US" altLang="zh-CN" dirty="0"/>
+                        <a:t>P</a:t>
+                      </a:r>
+                      <a:r>
+                        <a:rPr lang="en-US" altLang="zh-CN" dirty="0"/>
+                        <a:t>ywren </a:t>
+                      </a:r>
+                      <a:endParaRPr lang="en-US" altLang="zh-CN" dirty="0"/>
+                    </a:p>
+                  </a:txBody>
+                  <a:tcPr/>
+                </a:tc>
+                <a:tc>
+                  <a:txBody>
+                    <a:bodyPr/>
+                    <a:p>
+                      <a:pPr algn="ctr">
+                        <a:buNone/>
+                      </a:pPr>
+                      <a:r>
+                        <a:rPr lang="zh-CN" altLang="en-US" dirty="0"/>
+                        <a:t> </a:t>
+                      </a:r>
+                      <a:r>
+                        <a:rPr lang="en-US" altLang="zh-CN" dirty="0"/>
+                        <a:t>Lithops</a:t>
+                      </a:r>
+                      <a:r>
+                        <a:rPr lang="zh-CN" altLang="en-US" dirty="0"/>
+                        <a:t> </a:t>
+                      </a:r>
+                      <a:endParaRPr lang="zh-CN" altLang="en-US" dirty="0"/>
+                    </a:p>
+                  </a:txBody>
+                  <a:tcPr/>
+                </a:tc>
+              </a:tr>
+              <a:tr h="589280">
+                <a:tc>
+                  <a:txBody>
+                    <a:bodyPr/>
+                    <a:p>
+                      <a:pPr algn="ctr"/>
+                      <a:r>
+                        <a:rPr lang="en-US" altLang="zh-CN" dirty="0"/>
+                        <a:t>MapR</a:t>
+                      </a:r>
+                      <a:r>
+                        <a:rPr lang="en-US" altLang="zh-CN" dirty="0"/>
+                        <a:t>educe</a:t>
+                      </a:r>
+                      <a:endParaRPr lang="en-US" altLang="zh-CN" dirty="0"/>
+                    </a:p>
+                  </a:txBody>
+                  <a:tcPr/>
+                </a:tc>
+                <a:tc>
+                  <a:txBody>
+                    <a:bodyPr/>
+                    <a:p>
+                      <a:pPr algn="ctr"/>
+                      <a:r>
+                        <a:rPr lang="en-US" altLang="zh-CN" dirty="0"/>
+                        <a:t>   M</a:t>
+                      </a:r>
+                      <a:r>
+                        <a:rPr lang="en-US" altLang="zh-CN" dirty="0"/>
+                        <a:t>ap️</a:t>
+                      </a:r>
+                      <a:endParaRPr lang="en-US" altLang="zh-CN" dirty="0"/>
+                    </a:p>
+                  </a:txBody>
+                  <a:tcPr/>
+                </a:tc>
+                <a:tc>
+                  <a:txBody>
+                    <a:bodyPr/>
+                    <a:p>
+                      <a:pPr algn="ctr">
+                        <a:buNone/>
+                      </a:pPr>
+                      <a:r>
+                        <a:rPr lang="en-US" altLang="zh-CN" dirty="0"/>
+                        <a:t>Map&amp;MapR</a:t>
+                      </a:r>
+                      <a:r>
+                        <a:rPr lang="en-US" altLang="zh-CN" dirty="0"/>
+                        <a:t>educe</a:t>
+                      </a:r>
+                      <a:endParaRPr lang="en-US" altLang="zh-CN" dirty="0"/>
+                    </a:p>
+                  </a:txBody>
+                  <a:tcPr/>
+                </a:tc>
+              </a:tr>
+              <a:tr h="1085215">
+                <a:tc>
+                  <a:txBody>
+                    <a:bodyPr/>
+                    <a:p>
+                      <a:pPr algn="ctr">
+                        <a:buNone/>
+                      </a:pPr>
+                      <a:r>
+                        <a:rPr lang="en-US" altLang="zh-CN" dirty="0"/>
+                        <a:t>Composability</a:t>
+                      </a:r>
+                      <a:endParaRPr lang="en-US" altLang="zh-CN" dirty="0"/>
+                    </a:p>
+                  </a:txBody>
+                  <a:tcPr/>
+                </a:tc>
+                <a:tc>
+                  <a:txBody>
+                    <a:bodyPr/>
+                    <a:p>
+                      <a:pPr algn="ctr">
+                        <a:buNone/>
+                      </a:pPr>
+                      <a:r>
+                        <a:rPr lang="en-US" altLang="zh-CN" sz="2000" dirty="0">
+                          <a:sym typeface="+mn-ea"/>
+                        </a:rPr>
+                        <a:t>None</a:t>
+                      </a:r>
+                      <a:endParaRPr lang="en-US" altLang="zh-CN" sz="2000" dirty="0">
+                        <a:sym typeface="+mn-ea"/>
+                      </a:endParaRPr>
+                    </a:p>
+                  </a:txBody>
+                  <a:tcPr/>
+                </a:tc>
+                <a:tc>
+                  <a:txBody>
+                    <a:bodyPr/>
+                    <a:p>
+                      <a:pPr algn="ctr">
+                        <a:buNone/>
+                      </a:pPr>
+                      <a:r>
+                        <a:rPr lang="en-US" altLang="zh-CN" sz="1800" dirty="0">
+                          <a:sym typeface="+mn-ea"/>
+                        </a:rPr>
+                        <a:t>Dynamic compositions of</a:t>
+                      </a:r>
+                      <a:endParaRPr lang="en-US" altLang="zh-CN" sz="1800" dirty="0">
+                        <a:sym typeface="+mn-ea"/>
+                      </a:endParaRPr>
+                    </a:p>
+                    <a:p>
+                      <a:pPr algn="ctr">
+                        <a:buNone/>
+                      </a:pPr>
+                      <a:r>
+                        <a:rPr lang="en-US" altLang="zh-CN" sz="1800" dirty="0">
+                          <a:sym typeface="+mn-ea"/>
+                        </a:rPr>
+                        <a:t>functions</a:t>
+                      </a:r>
+                      <a:endParaRPr lang="en-US" altLang="zh-CN" sz="1800" dirty="0">
+                        <a:sym typeface="+mn-ea"/>
+                      </a:endParaRPr>
+                    </a:p>
+                  </a:txBody>
+                  <a:tcPr/>
+                </a:tc>
+              </a:tr>
+              <a:tr h="758825">
+                <a:tc>
+                  <a:txBody>
+                    <a:bodyPr/>
+                    <a:p>
+                      <a:pPr algn="ctr">
+                        <a:buNone/>
+                      </a:pPr>
+                      <a:r>
+                        <a:rPr lang="en-US" altLang="zh-CN" dirty="0"/>
+                        <a:t>Runtime</a:t>
+                      </a:r>
+                      <a:endParaRPr lang="en-US" altLang="zh-CN" dirty="0"/>
+                    </a:p>
+                  </a:txBody>
+                  <a:tcPr/>
+                </a:tc>
+                <a:tc>
+                  <a:txBody>
+                    <a:bodyPr/>
+                    <a:p>
+                      <a:pPr algn="ctr">
+                        <a:buNone/>
+                      </a:pPr>
+                      <a:r>
+                        <a:rPr lang="en-US" altLang="zh-CN" sz="1800" dirty="0">
+                          <a:sym typeface="+mn-ea"/>
+                        </a:rPr>
+                        <a:t>Fixed</a:t>
+                      </a:r>
+                      <a:endParaRPr lang="en-US" altLang="zh-CN" sz="1800" dirty="0">
+                        <a:sym typeface="+mn-ea"/>
+                      </a:endParaRPr>
+                    </a:p>
+                  </a:txBody>
+                  <a:tcPr/>
+                </a:tc>
+                <a:tc>
+                  <a:txBody>
+                    <a:bodyPr/>
+                    <a:p>
+                      <a:pPr algn="ctr">
+                        <a:buNone/>
+                      </a:pPr>
+                      <a:r>
+                        <a:rPr lang="en-US" altLang="zh-CN" sz="1800" dirty="0">
+                          <a:sym typeface="+mn-ea"/>
+                        </a:rPr>
+                        <a:t>Based on Docker</a:t>
+                      </a:r>
+                      <a:r>
+                        <a:rPr lang="zh-CN" altLang="en-US" sz="1800" dirty="0">
+                          <a:sym typeface="+mn-ea"/>
+                        </a:rPr>
+                        <a:t>（</a:t>
+                      </a:r>
+                      <a:r>
+                        <a:rPr lang="en-US" altLang="zh-CN" sz="1800" dirty="0">
+                          <a:sym typeface="+mn-ea"/>
+                        </a:rPr>
+                        <a:t>custom runtime</a:t>
+                      </a:r>
+                      <a:r>
+                        <a:rPr lang="zh-CN" altLang="en-US" sz="1800" dirty="0">
+                          <a:sym typeface="+mn-ea"/>
+                        </a:rPr>
+                        <a:t>）</a:t>
+                      </a:r>
+                      <a:endParaRPr lang="zh-CN" altLang="en-US" sz="1800" dirty="0">
+                        <a:sym typeface="+mn-ea"/>
+                      </a:endParaRPr>
+                    </a:p>
+                  </a:txBody>
+                  <a:tcPr/>
+                </a:tc>
+              </a:tr>
+              <a:tr h="1410970">
+                <a:tc>
+                  <a:txBody>
+                    <a:bodyPr/>
+                    <a:p>
+                      <a:pPr algn="ctr">
+                        <a:buNone/>
+                      </a:pPr>
+                      <a:r>
+                        <a:rPr lang="en-US" altLang="zh-CN" dirty="0"/>
+                        <a:t>Open-source</a:t>
+                      </a:r>
+                      <a:endParaRPr lang="en-US" altLang="zh-CN" dirty="0"/>
+                    </a:p>
+                    <a:p>
+                      <a:pPr algn="ctr">
+                        <a:buNone/>
+                      </a:pPr>
+                      <a:r>
+                        <a:rPr lang="en-US" altLang="zh-CN" dirty="0"/>
+                        <a:t>portability &amp;</a:t>
+                      </a:r>
+                      <a:endParaRPr lang="en-US" altLang="zh-CN" dirty="0"/>
+                    </a:p>
+                    <a:p>
+                      <a:pPr algn="ctr">
+                        <a:buNone/>
+                      </a:pPr>
+                      <a:r>
+                        <a:rPr lang="en-US" altLang="zh-CN" dirty="0"/>
+                        <a:t>extensibility</a:t>
+                      </a:r>
+                      <a:endParaRPr lang="en-US" altLang="zh-CN" dirty="0"/>
+                    </a:p>
+                  </a:txBody>
+                  <a:tcPr/>
+                </a:tc>
+                <a:tc>
+                  <a:txBody>
+                    <a:bodyPr/>
+                    <a:p>
+                      <a:pPr algn="ctr">
+                        <a:buNone/>
+                      </a:pPr>
+                      <a:r>
+                        <a:rPr lang="en-US" altLang="zh-CN" sz="1800" dirty="0">
+                          <a:sym typeface="+mn-ea"/>
+                        </a:rPr>
+                        <a:t>AWS</a:t>
+                      </a:r>
+                      <a:endParaRPr lang="en-US" altLang="zh-CN" sz="1800" dirty="0">
+                        <a:sym typeface="+mn-ea"/>
+                      </a:endParaRPr>
+                    </a:p>
+                  </a:txBody>
+                  <a:tcPr/>
+                </a:tc>
+                <a:tc>
+                  <a:txBody>
+                    <a:bodyPr/>
+                    <a:p>
+                      <a:pPr algn="ctr">
+                        <a:buNone/>
+                      </a:pPr>
+                      <a:r>
+                        <a:rPr lang="en-US" altLang="zh-CN" sz="1800" dirty="0">
+                          <a:sym typeface="+mn-ea"/>
+                        </a:rPr>
+                        <a:t>AWS</a:t>
+                      </a:r>
+                      <a:endParaRPr lang="en-US" altLang="zh-CN" sz="1800" dirty="0">
+                        <a:sym typeface="+mn-ea"/>
+                      </a:endParaRPr>
+                    </a:p>
+                    <a:p>
+                      <a:pPr algn="ctr">
+                        <a:buNone/>
+                      </a:pPr>
+                      <a:r>
+                        <a:rPr lang="en-US" altLang="zh-CN" sz="1800" dirty="0">
+                          <a:sym typeface="+mn-ea"/>
+                        </a:rPr>
+                        <a:t>IBM C</a:t>
+                      </a:r>
+                      <a:r>
+                        <a:rPr lang="en-US" altLang="zh-CN" sz="1800" dirty="0">
+                          <a:sym typeface="+mn-ea"/>
+                        </a:rPr>
+                        <a:t>loud</a:t>
+                      </a:r>
+                      <a:endParaRPr lang="en-US" altLang="zh-CN" sz="1800" dirty="0">
+                        <a:sym typeface="+mn-ea"/>
+                      </a:endParaRPr>
+                    </a:p>
+                    <a:p>
+                      <a:pPr algn="ctr">
+                        <a:buNone/>
+                      </a:pPr>
+                      <a:r>
+                        <a:rPr lang="en-US" altLang="zh-CN" sz="1800" dirty="0">
+                          <a:sym typeface="+mn-ea"/>
+                        </a:rPr>
+                        <a:t>Google C</a:t>
+                      </a:r>
+                      <a:r>
+                        <a:rPr lang="en-US" altLang="zh-CN" sz="1800" dirty="0">
+                          <a:sym typeface="+mn-ea"/>
+                        </a:rPr>
+                        <a:t>loud</a:t>
+                      </a:r>
+                      <a:endParaRPr lang="en-US" altLang="zh-CN" sz="1800" dirty="0">
+                        <a:sym typeface="+mn-ea"/>
+                      </a:endParaRPr>
+                    </a:p>
+                    <a:p>
+                      <a:pPr algn="ctr">
+                        <a:buNone/>
+                      </a:pPr>
+                      <a:r>
+                        <a:rPr lang="en-US" altLang="zh-CN" sz="1800" dirty="0">
+                          <a:sym typeface="+mn-ea"/>
+                        </a:rPr>
+                        <a:t>A</a:t>
+                      </a:r>
+                      <a:r>
+                        <a:rPr lang="en-US" altLang="zh-CN" sz="1800" dirty="0">
+                          <a:sym typeface="+mn-ea"/>
+                        </a:rPr>
+                        <a:t>liyun</a:t>
+                      </a:r>
+                      <a:endParaRPr lang="en-US" altLang="zh-CN" sz="1800" dirty="0">
+                        <a:sym typeface="+mn-ea"/>
+                      </a:endParaRPr>
+                    </a:p>
+                  </a:txBody>
+                  <a:tcPr/>
+                </a:tc>
+              </a:tr>
+            </a:tbl>
+          </a:graphicData>
+        </a:graphic>
+      </p:graphicFrame>
+    </p:spTree>
+  </p:cSld>
+  <p:clrMapOvr>
+    <a:masterClrMapping/>
+  </p:clrMapOvr>
+  <p:timing>
+    <p:tnLst>
+      <p:par>
+        <p:cTn id="1" dur="indefinite" restart="never" nodeType="tmRoot"/>
+      </p:par>
+    </p:tnLst>
+  </p:timing>
+</p:sld>
+</file>
+
+<file path=ppt/slides/slide5.xml><?xml version="1.0" encoding="utf-8"?>
+<p:sld xmlns:a="http://schemas.openxmlformats.org/drawingml/2006/main" xmlns:r="http://schemas.openxmlformats.org/officeDocument/2006/relationships" xmlns:p="http://schemas.openxmlformats.org/presentationml/2006/main">
+  <p:cSld>
+    <p:spTree>
+      <p:nvGrpSpPr>
+        <p:cNvPr id="1" name=""/>
+        <p:cNvGrpSpPr/>
+        <p:nvPr/>
+      </p:nvGrpSpPr>
+      <p:grpSpPr/>
+      <p:sp>
+        <p:nvSpPr>
+          <p:cNvPr id="2" name="标题 1"/>
+          <p:cNvSpPr>
+            <a:spLocks noGrp="1"/>
+          </p:cNvSpPr>
+          <p:nvPr>
+            <p:ph type="title"/>
+          </p:nvPr>
+        </p:nvSpPr>
+        <p:spPr/>
+        <p:txBody>
+          <a:bodyPr/>
+          <a:p>
+            <a:r>
+              <a:rPr lang="zh-CN" altLang="en-US"/>
+              <a:t>为什么选择</a:t>
+            </a:r>
+            <a:r>
+              <a:rPr lang="en-US" altLang="zh-CN"/>
+              <a:t>Lithops </a:t>
+            </a:r>
+            <a:r>
+              <a:rPr lang="zh-CN" altLang="en-US"/>
+              <a:t>？</a:t>
+            </a:r>
+            <a:endParaRPr lang="zh-CN" altLang="en-US"/>
+          </a:p>
+        </p:txBody>
+      </p:sp>
+      <p:sp>
+        <p:nvSpPr>
+          <p:cNvPr id="3" name="内容占位符 2"/>
+          <p:cNvSpPr>
+            <a:spLocks noGrp="1"/>
+          </p:cNvSpPr>
+          <p:nvPr>
+            <p:ph idx="1"/>
+          </p:nvPr>
+        </p:nvSpPr>
+        <p:spPr/>
+        <p:txBody>
+          <a:bodyPr/>
+          <a:p>
+            <a:r>
+              <a:rPr lang="en-US" altLang="zh-CN"/>
+              <a:t> Map-reduce style serverless framework</a:t>
+            </a:r>
+            <a:endParaRPr lang="en-US" altLang="zh-CN"/>
+          </a:p>
+          <a:p>
+            <a:pPr lvl="1"/>
+            <a:r>
+              <a:rPr lang="en-US" altLang="zh-CN"/>
+              <a:t> </a:t>
+            </a:r>
+            <a:r>
+              <a:rPr lang="zh-CN" altLang="en-US"/>
+              <a:t>可以</a:t>
+            </a:r>
+            <a:r>
+              <a:rPr lang="zh-CN" altLang="en-US"/>
+              <a:t>便于验证</a:t>
+            </a:r>
+            <a:r>
+              <a:rPr lang="zh-CN" altLang="en-US"/>
+              <a:t>并分析</a:t>
+            </a:r>
+            <a:r>
+              <a:rPr lang="en-US" altLang="zh-CN"/>
+              <a:t>Serverless state management</a:t>
+            </a:r>
+            <a:r>
+              <a:rPr lang="zh-CN" altLang="en-US"/>
+              <a:t>的问题</a:t>
+            </a:r>
+            <a:endParaRPr lang="zh-CN" altLang="en-US"/>
+          </a:p>
+          <a:p>
+            <a:pPr lvl="0"/>
+            <a:r>
+              <a:rPr lang="en-US" altLang="zh-CN"/>
+              <a:t> </a:t>
+            </a:r>
+            <a:r>
+              <a:rPr lang="zh-CN" altLang="en-US"/>
+              <a:t>基于</a:t>
+            </a:r>
+            <a:r>
+              <a:rPr lang="en-US" altLang="zh-CN"/>
+              <a:t>Pywren</a:t>
+            </a:r>
+            <a:r>
+              <a:rPr lang="zh-CN" altLang="en-US"/>
+              <a:t>的最新工作</a:t>
+            </a:r>
+            <a:endParaRPr lang="zh-CN" altLang="en-US"/>
+          </a:p>
+          <a:p>
+            <a:pPr lvl="1"/>
+            <a:r>
+              <a:rPr lang="en-US" altLang="zh-CN"/>
+              <a:t> Locus NSDI’19</a:t>
+            </a:r>
+            <a:r>
+              <a:rPr lang="zh-CN" altLang="en-US"/>
+              <a:t>、Caerus</a:t>
+            </a:r>
+            <a:r>
+              <a:rPr lang="en-US" altLang="zh-CN"/>
+              <a:t> NSDI’21</a:t>
+            </a:r>
+            <a:endParaRPr lang="en-US" altLang="zh-CN"/>
+          </a:p>
+          <a:p>
+            <a:pPr lvl="0"/>
+            <a:r>
+              <a:rPr lang="en-US" altLang="zh-CN"/>
+              <a:t> </a:t>
+            </a:r>
+            <a:r>
+              <a:rPr lang="zh-CN" altLang="en-US"/>
+              <a:t>开源且仍在维护</a:t>
+            </a:r>
+            <a:endParaRPr lang="zh-CN" altLang="en-US"/>
+          </a:p>
+          <a:p>
+            <a:pPr lvl="1"/>
+            <a:r>
+              <a:rPr lang="en-US" altLang="zh-CN"/>
+              <a:t> Pywren</a:t>
+            </a:r>
+            <a:r>
+              <a:rPr lang="zh-CN" altLang="en-US"/>
+              <a:t>：</a:t>
+            </a:r>
+            <a:r>
+              <a:rPr lang="en-US" altLang="zh-CN"/>
+              <a:t>starred 782</a:t>
+            </a:r>
+            <a:endParaRPr lang="en-US" altLang="zh-CN"/>
+          </a:p>
+          <a:p>
+            <a:pPr lvl="1"/>
+            <a:r>
+              <a:rPr lang="en-US" altLang="zh-CN"/>
+              <a:t> Lithops</a:t>
+            </a:r>
+            <a:r>
+              <a:rPr lang="zh-CN" altLang="en-US"/>
+              <a:t>：</a:t>
+            </a:r>
+            <a:r>
+              <a:rPr lang="en-US" altLang="zh-CN"/>
+              <a:t>starred 200</a:t>
+            </a:r>
+            <a:endParaRPr lang="en-US" altLang="zh-CN"/>
+          </a:p>
+          <a:p>
+            <a:pPr lvl="2"/>
+            <a:endParaRPr lang="en-US" altLang="zh-CN"/>
           </a:p>
         </p:txBody>
       </p:sp>
@@ -4359,6 +7764,759 @@
     <a:masterClrMapping/>
   </p:clrMapOvr>
 </p:sld>
+</file>
+
+<file path=ppt/slides/slide6.xml><?xml version="1.0" encoding="utf-8"?>
+<p:sld xmlns:a="http://schemas.openxmlformats.org/drawingml/2006/main" xmlns:r="http://schemas.openxmlformats.org/officeDocument/2006/relationships" xmlns:p="http://schemas.openxmlformats.org/presentationml/2006/main">
+  <p:cSld>
+    <p:spTree>
+      <p:nvGrpSpPr>
+        <p:cNvPr id="1" name=""/>
+        <p:cNvGrpSpPr/>
+        <p:nvPr/>
+      </p:nvGrpSpPr>
+      <p:grpSpPr/>
+      <p:sp>
+        <p:nvSpPr>
+          <p:cNvPr id="2" name="标题 1"/>
+          <p:cNvSpPr>
+            <a:spLocks noGrp="1"/>
+          </p:cNvSpPr>
+          <p:nvPr>
+            <p:ph type="title"/>
+          </p:nvPr>
+        </p:nvSpPr>
+        <p:spPr/>
+        <p:txBody>
+          <a:bodyPr/>
+          <a:p>
+            <a:r>
+              <a:rPr lang="en-US" altLang="zh-CN"/>
+              <a:t>Evaluation</a:t>
+            </a:r>
+            <a:endParaRPr lang="en-US" altLang="zh-CN"/>
+          </a:p>
+        </p:txBody>
+      </p:sp>
+      <p:sp>
+        <p:nvSpPr>
+          <p:cNvPr id="3" name="内容占位符 2"/>
+          <p:cNvSpPr>
+            <a:spLocks noGrp="1"/>
+          </p:cNvSpPr>
+          <p:nvPr>
+            <p:ph idx="1"/>
+          </p:nvPr>
+        </p:nvSpPr>
+        <p:spPr/>
+        <p:txBody>
+          <a:bodyPr/>
+          <a:p>
+            <a:r>
+              <a:rPr lang="en-US" altLang="zh-CN"/>
+              <a:t> </a:t>
+            </a:r>
+            <a:r>
+              <a:rPr lang="zh-CN" altLang="en-US"/>
+              <a:t>实验环境</a:t>
+            </a:r>
+            <a:endParaRPr lang="zh-CN" altLang="en-US"/>
+          </a:p>
+          <a:p>
+            <a:pPr lvl="1"/>
+            <a:r>
+              <a:rPr lang="en-US" altLang="zh-CN"/>
+              <a:t> Client</a:t>
+            </a:r>
+            <a:r>
+              <a:rPr lang="zh-CN" altLang="en-US"/>
+              <a:t>：Ubuntu 16.04.6 LTS；</a:t>
+            </a:r>
+            <a:r>
+              <a:rPr lang="en-US" altLang="zh-CN"/>
+              <a:t>2 CPU 24 Cores </a:t>
+            </a:r>
+            <a:endParaRPr lang="zh-CN" altLang="en-US"/>
+          </a:p>
+          <a:p>
+            <a:pPr lvl="1"/>
+            <a:r>
+              <a:rPr lang="en-US" altLang="zh-CN"/>
+              <a:t> Cloud</a:t>
+            </a:r>
+            <a:r>
+              <a:rPr lang="zh-CN" altLang="en-US"/>
+              <a:t>：</a:t>
+            </a:r>
+            <a:endParaRPr lang="zh-CN" altLang="en-US"/>
+          </a:p>
+          <a:p>
+            <a:pPr lvl="2"/>
+            <a:r>
+              <a:rPr lang="en-US" altLang="zh-CN"/>
+              <a:t>computing</a:t>
+            </a:r>
+            <a:r>
+              <a:rPr lang="zh-CN" altLang="en-US"/>
+              <a:t>：</a:t>
+            </a:r>
+            <a:r>
+              <a:rPr lang="zh-CN" altLang="en-US">
+                <a:sym typeface="+mn-ea"/>
+              </a:rPr>
+              <a:t>阿里云</a:t>
+            </a:r>
+            <a:r>
+              <a:rPr lang="en-US" altLang="zh-CN">
+                <a:sym typeface="+mn-ea"/>
+              </a:rPr>
+              <a:t>FC</a:t>
+            </a:r>
+            <a:endParaRPr lang="zh-CN" altLang="en-US"/>
+          </a:p>
+          <a:p>
+            <a:pPr lvl="2"/>
+            <a:r>
+              <a:rPr lang="en-US" altLang="zh-CN"/>
+              <a:t>storage</a:t>
+            </a:r>
+            <a:r>
+              <a:rPr lang="zh-CN" altLang="en-US"/>
+              <a:t>：阿里云</a:t>
+            </a:r>
+            <a:r>
+              <a:rPr lang="en-US" altLang="zh-CN"/>
+              <a:t>OSS</a:t>
+            </a:r>
+            <a:endParaRPr lang="en-US" altLang="zh-CN"/>
+          </a:p>
+        </p:txBody>
+      </p:sp>
+      <p:pic>
+        <p:nvPicPr>
+          <p:cNvPr id="4" name="图片 3"/>
+          <p:cNvPicPr>
+            <a:picLocks noChangeAspect="1"/>
+          </p:cNvPicPr>
+          <p:nvPr/>
+        </p:nvPicPr>
+        <p:blipFill>
+          <a:blip r:embed="rId1"/>
+          <a:stretch>
+            <a:fillRect/>
+          </a:stretch>
+        </p:blipFill>
+        <p:spPr>
+          <a:xfrm>
+            <a:off x="3456305" y="3823335"/>
+            <a:ext cx="5926455" cy="3034665"/>
+          </a:xfrm>
+          <a:prstGeom prst="rect">
+            <a:avLst/>
+          </a:prstGeom>
+        </p:spPr>
+      </p:pic>
+    </p:spTree>
+  </p:cSld>
+  <p:clrMapOvr>
+    <a:masterClrMapping/>
+  </p:clrMapOvr>
+</p:sld>
+</file>
+
+<file path=ppt/slides/slide7.xml><?xml version="1.0" encoding="utf-8"?>
+<p:sld xmlns:a="http://schemas.openxmlformats.org/drawingml/2006/main" xmlns:r="http://schemas.openxmlformats.org/officeDocument/2006/relationships" xmlns:p="http://schemas.openxmlformats.org/presentationml/2006/main">
+  <p:cSld>
+    <p:spTree>
+      <p:nvGrpSpPr>
+        <p:cNvPr id="1" name=""/>
+        <p:cNvGrpSpPr/>
+        <p:nvPr/>
+      </p:nvGrpSpPr>
+      <p:grpSpPr/>
+      <p:sp>
+        <p:nvSpPr>
+          <p:cNvPr id="2" name="标题 1"/>
+          <p:cNvSpPr>
+            <a:spLocks noGrp="1"/>
+          </p:cNvSpPr>
+          <p:nvPr>
+            <p:ph type="title"/>
+          </p:nvPr>
+        </p:nvSpPr>
+        <p:spPr/>
+        <p:txBody>
+          <a:bodyPr/>
+          <a:p>
+            <a:r>
+              <a:rPr lang="en-US" altLang="zh-CN"/>
+              <a:t>Evaluation</a:t>
+            </a:r>
+            <a:endParaRPr lang="en-US" altLang="zh-CN"/>
+          </a:p>
+        </p:txBody>
+      </p:sp>
+      <p:sp>
+        <p:nvSpPr>
+          <p:cNvPr id="3" name="内容占位符 2"/>
+          <p:cNvSpPr>
+            <a:spLocks noGrp="1"/>
+          </p:cNvSpPr>
+          <p:nvPr>
+            <p:ph idx="1"/>
+          </p:nvPr>
+        </p:nvSpPr>
+        <p:spPr>
+          <a:xfrm>
+            <a:off x="838200" y="1380227"/>
+            <a:ext cx="10515600" cy="4796737"/>
+          </a:xfrm>
+        </p:spPr>
+        <p:txBody>
+          <a:bodyPr/>
+          <a:p>
+            <a:r>
+              <a:rPr lang="en-US" altLang="zh-CN"/>
+              <a:t> </a:t>
+            </a:r>
+            <a:r>
+              <a:rPr lang="zh-CN" altLang="en-US"/>
+              <a:t>函数并发</a:t>
+            </a:r>
+            <a:r>
+              <a:rPr lang="zh-CN" altLang="en-US"/>
+              <a:t>性</a:t>
+            </a:r>
+            <a:endParaRPr lang="zh-CN" altLang="en-US"/>
+          </a:p>
+          <a:p>
+            <a:pPr lvl="1"/>
+            <a:r>
+              <a:rPr lang="en-US" altLang="zh-CN"/>
+              <a:t> </a:t>
+            </a:r>
+            <a:r>
+              <a:rPr lang="zh-CN" altLang="en-US"/>
+              <a:t>阿里云</a:t>
+            </a:r>
+            <a:r>
+              <a:rPr lang="en-US" altLang="zh-CN"/>
+              <a:t>FC</a:t>
+            </a:r>
+            <a:r>
+              <a:rPr lang="zh-CN" altLang="en-US"/>
+              <a:t>函数并发度最大为</a:t>
+            </a:r>
+            <a:r>
+              <a:rPr lang="en-US" altLang="zh-CN"/>
+              <a:t>300</a:t>
+            </a:r>
+            <a:endParaRPr lang="zh-CN" altLang="en-US"/>
+          </a:p>
+        </p:txBody>
+      </p:sp>
+      <p:grpSp>
+        <p:nvGrpSpPr>
+          <p:cNvPr id="14" name="组合 13"/>
+          <p:cNvGrpSpPr/>
+          <p:nvPr/>
+        </p:nvGrpSpPr>
+        <p:grpSpPr>
+          <a:xfrm>
+            <a:off x="866775" y="2574925"/>
+            <a:ext cx="10459085" cy="3434080"/>
+            <a:chOff x="424" y="3484"/>
+            <a:chExt cx="16471" cy="5408"/>
+          </a:xfrm>
+        </p:grpSpPr>
+        <p:pic>
+          <p:nvPicPr>
+            <p:cNvPr id="11" name="图片 10" descr="100_flops_execution"/>
+            <p:cNvPicPr>
+              <a:picLocks noChangeAspect="1"/>
+            </p:cNvPicPr>
+            <p:nvPr/>
+          </p:nvPicPr>
+          <p:blipFill>
+            <a:blip r:embed="rId1"/>
+            <a:stretch>
+              <a:fillRect/>
+            </a:stretch>
+          </p:blipFill>
+          <p:spPr>
+            <a:xfrm>
+              <a:off x="424" y="3484"/>
+              <a:ext cx="5408" cy="5408"/>
+            </a:xfrm>
+            <a:prstGeom prst="rect">
+              <a:avLst/>
+            </a:prstGeom>
+          </p:spPr>
+        </p:pic>
+        <p:pic>
+          <p:nvPicPr>
+            <p:cNvPr id="12" name="图片 11" descr="1000_execution"/>
+            <p:cNvPicPr>
+              <a:picLocks noChangeAspect="1"/>
+            </p:cNvPicPr>
+            <p:nvPr/>
+          </p:nvPicPr>
+          <p:blipFill>
+            <a:blip r:embed="rId2"/>
+            <a:stretch>
+              <a:fillRect/>
+            </a:stretch>
+          </p:blipFill>
+          <p:spPr>
+            <a:xfrm>
+              <a:off x="11487" y="3484"/>
+              <a:ext cx="5408" cy="5408"/>
+            </a:xfrm>
+            <a:prstGeom prst="rect">
+              <a:avLst/>
+            </a:prstGeom>
+          </p:spPr>
+        </p:pic>
+        <p:pic>
+          <p:nvPicPr>
+            <p:cNvPr id="13" name="图片 12" descr="300_flops_execution"/>
+            <p:cNvPicPr>
+              <a:picLocks noChangeAspect="1"/>
+            </p:cNvPicPr>
+            <p:nvPr/>
+          </p:nvPicPr>
+          <p:blipFill>
+            <a:blip r:embed="rId3"/>
+            <a:stretch>
+              <a:fillRect/>
+            </a:stretch>
+          </p:blipFill>
+          <p:spPr>
+            <a:xfrm>
+              <a:off x="5955" y="3484"/>
+              <a:ext cx="5409" cy="5409"/>
+            </a:xfrm>
+            <a:prstGeom prst="rect">
+              <a:avLst/>
+            </a:prstGeom>
+          </p:spPr>
+        </p:pic>
+      </p:grpSp>
+      <p:sp>
+        <p:nvSpPr>
+          <p:cNvPr id="15" name="文本框 14"/>
+          <p:cNvSpPr txBox="1"/>
+          <p:nvPr/>
+        </p:nvSpPr>
+        <p:spPr>
+          <a:xfrm>
+            <a:off x="1798955" y="6009005"/>
+            <a:ext cx="1569720" cy="368300"/>
+          </a:xfrm>
+          <a:prstGeom prst="rect">
+            <a:avLst/>
+          </a:prstGeom>
+          <a:noFill/>
+        </p:spPr>
+        <p:txBody>
+          <a:bodyPr wrap="square" rtlCol="0">
+            <a:spAutoFit/>
+          </a:bodyPr>
+          <a:p>
+            <a:r>
+              <a:rPr lang="en-US" altLang="zh-CN"/>
+              <a:t>100 </a:t>
+            </a:r>
+            <a:r>
+              <a:rPr lang="en-US" altLang="zh-CN"/>
+              <a:t>functions</a:t>
+            </a:r>
+            <a:endParaRPr lang="en-US" altLang="zh-CN"/>
+          </a:p>
+        </p:txBody>
+      </p:sp>
+      <p:sp>
+        <p:nvSpPr>
+          <p:cNvPr id="16" name="文本框 15"/>
+          <p:cNvSpPr txBox="1"/>
+          <p:nvPr/>
+        </p:nvSpPr>
+        <p:spPr>
+          <a:xfrm>
+            <a:off x="5311775" y="6009640"/>
+            <a:ext cx="1569720" cy="368300"/>
+          </a:xfrm>
+          <a:prstGeom prst="rect">
+            <a:avLst/>
+          </a:prstGeom>
+          <a:noFill/>
+        </p:spPr>
+        <p:txBody>
+          <a:bodyPr wrap="square" rtlCol="0">
+            <a:spAutoFit/>
+          </a:bodyPr>
+          <a:p>
+            <a:r>
+              <a:rPr lang="en-US" altLang="zh-CN"/>
+              <a:t>300 </a:t>
+            </a:r>
+            <a:r>
+              <a:rPr lang="en-US" altLang="zh-CN"/>
+              <a:t>functions</a:t>
+            </a:r>
+            <a:endParaRPr lang="en-US" altLang="zh-CN"/>
+          </a:p>
+        </p:txBody>
+      </p:sp>
+      <p:sp>
+        <p:nvSpPr>
+          <p:cNvPr id="17" name="文本框 16"/>
+          <p:cNvSpPr txBox="1"/>
+          <p:nvPr/>
+        </p:nvSpPr>
+        <p:spPr>
+          <a:xfrm>
+            <a:off x="8932545" y="6009005"/>
+            <a:ext cx="1746250" cy="368300"/>
+          </a:xfrm>
+          <a:prstGeom prst="rect">
+            <a:avLst/>
+          </a:prstGeom>
+          <a:noFill/>
+        </p:spPr>
+        <p:txBody>
+          <a:bodyPr wrap="square" rtlCol="0">
+            <a:spAutoFit/>
+          </a:bodyPr>
+          <a:p>
+            <a:r>
+              <a:rPr lang="en-US" altLang="zh-CN"/>
+              <a:t>1000 </a:t>
+            </a:r>
+            <a:r>
+              <a:rPr lang="en-US" altLang="zh-CN"/>
+              <a:t>functions</a:t>
+            </a:r>
+            <a:endParaRPr lang="en-US" altLang="zh-CN"/>
+          </a:p>
+        </p:txBody>
+      </p:sp>
+    </p:spTree>
+  </p:cSld>
+  <p:clrMapOvr>
+    <a:masterClrMapping/>
+  </p:clrMapOvr>
+</p:sld>
+</file>
+
+<file path=ppt/slides/slide8.xml><?xml version="1.0" encoding="utf-8"?>
+<p:sld xmlns:a="http://schemas.openxmlformats.org/drawingml/2006/main" xmlns:r="http://schemas.openxmlformats.org/officeDocument/2006/relationships" xmlns:p="http://schemas.openxmlformats.org/presentationml/2006/main">
+  <p:cSld>
+    <p:spTree>
+      <p:nvGrpSpPr>
+        <p:cNvPr id="1" name=""/>
+        <p:cNvGrpSpPr/>
+        <p:nvPr/>
+      </p:nvGrpSpPr>
+      <p:grpSpPr/>
+      <p:sp>
+        <p:nvSpPr>
+          <p:cNvPr id="2" name="标题 1"/>
+          <p:cNvSpPr>
+            <a:spLocks noGrp="1"/>
+          </p:cNvSpPr>
+          <p:nvPr>
+            <p:ph type="title"/>
+          </p:nvPr>
+        </p:nvSpPr>
+        <p:spPr/>
+        <p:txBody>
+          <a:bodyPr/>
+          <a:p>
+            <a:r>
+              <a:rPr lang="en-US" altLang="zh-CN"/>
+              <a:t>Evaluation</a:t>
+            </a:r>
+            <a:endParaRPr lang="en-US" altLang="zh-CN"/>
+          </a:p>
+        </p:txBody>
+      </p:sp>
+      <p:sp>
+        <p:nvSpPr>
+          <p:cNvPr id="3" name="内容占位符 2"/>
+          <p:cNvSpPr>
+            <a:spLocks noGrp="1"/>
+          </p:cNvSpPr>
+          <p:nvPr>
+            <p:ph idx="1"/>
+          </p:nvPr>
+        </p:nvSpPr>
+        <p:spPr>
+          <a:xfrm>
+            <a:off x="838200" y="1380227"/>
+            <a:ext cx="10515600" cy="4796737"/>
+          </a:xfrm>
+        </p:spPr>
+        <p:txBody>
+          <a:bodyPr/>
+          <a:p>
+            <a:r>
+              <a:rPr lang="en-US" altLang="zh-CN"/>
+              <a:t> </a:t>
+            </a:r>
+            <a:r>
+              <a:rPr lang="zh-CN" altLang="en-US"/>
+              <a:t>对象存储的</a:t>
+            </a:r>
+            <a:r>
+              <a:rPr lang="zh-CN" altLang="en-US"/>
+              <a:t>读写性能</a:t>
+            </a:r>
+            <a:endParaRPr lang="zh-CN" altLang="en-US"/>
+          </a:p>
+          <a:p>
+            <a:pPr lvl="1"/>
+            <a:r>
+              <a:rPr lang="en-US" altLang="zh-CN"/>
+              <a:t> </a:t>
+            </a:r>
+            <a:r>
+              <a:rPr lang="zh-CN" altLang="en-US"/>
+              <a:t>阿里云</a:t>
+            </a:r>
+            <a:r>
+              <a:rPr lang="en-US" altLang="zh-CN"/>
+              <a:t>FC</a:t>
+            </a:r>
+            <a:r>
+              <a:rPr lang="zh-CN" altLang="en-US"/>
+              <a:t>函数并发度最大为</a:t>
+            </a:r>
+            <a:r>
+              <a:rPr lang="en-US" altLang="zh-CN"/>
+              <a:t>300</a:t>
+            </a:r>
+            <a:endParaRPr lang="zh-CN" altLang="en-US"/>
+          </a:p>
+        </p:txBody>
+      </p:sp>
+    </p:spTree>
+  </p:cSld>
+  <p:clrMapOvr>
+    <a:masterClrMapping/>
+  </p:clrMapOvr>
+</p:sld>
+</file>
+
+<file path=ppt/slides/slide9.xml><?xml version="1.0" encoding="utf-8"?>
+<p:sld xmlns:a="http://schemas.openxmlformats.org/drawingml/2006/main" xmlns:r="http://schemas.openxmlformats.org/officeDocument/2006/relationships" xmlns:p="http://schemas.openxmlformats.org/presentationml/2006/main">
+  <p:cSld>
+    <p:spTree>
+      <p:nvGrpSpPr>
+        <p:cNvPr id="1" name=""/>
+        <p:cNvGrpSpPr/>
+        <p:nvPr/>
+      </p:nvGrpSpPr>
+      <p:grpSpPr/>
+      <p:sp>
+        <p:nvSpPr>
+          <p:cNvPr id="2" name="标题 1"/>
+          <p:cNvSpPr>
+            <a:spLocks noGrp="1"/>
+          </p:cNvSpPr>
+          <p:nvPr>
+            <p:ph type="title"/>
+          </p:nvPr>
+        </p:nvSpPr>
+        <p:spPr/>
+        <p:txBody>
+          <a:bodyPr/>
+          <a:p>
+            <a:r>
+              <a:rPr lang="zh-CN" altLang="en-US"/>
+              <a:t>下一步实验</a:t>
+            </a:r>
+            <a:endParaRPr lang="zh-CN" altLang="en-US"/>
+          </a:p>
+        </p:txBody>
+      </p:sp>
+      <p:sp>
+        <p:nvSpPr>
+          <p:cNvPr id="3" name="内容占位符 2"/>
+          <p:cNvSpPr>
+            <a:spLocks noGrp="1"/>
+          </p:cNvSpPr>
+          <p:nvPr>
+            <p:ph idx="1"/>
+          </p:nvPr>
+        </p:nvSpPr>
+        <p:spPr>
+          <a:xfrm>
+            <a:off x="838200" y="1380227"/>
+            <a:ext cx="10515600" cy="4796737"/>
+          </a:xfrm>
+        </p:spPr>
+        <p:txBody>
+          <a:bodyPr/>
+          <a:p>
+            <a:r>
+              <a:rPr lang="en-US" altLang="zh-CN"/>
+              <a:t> </a:t>
+            </a:r>
+            <a:r>
+              <a:rPr lang="zh-CN" altLang="en-US"/>
+              <a:t>利用</a:t>
+            </a:r>
+            <a:r>
+              <a:rPr lang="en-US" altLang="zh-CN"/>
+              <a:t>L</a:t>
+            </a:r>
+            <a:r>
+              <a:rPr lang="en-US" altLang="zh-CN"/>
+              <a:t>ithops</a:t>
+            </a:r>
+            <a:r>
+              <a:rPr lang="zh-CN" altLang="en-US"/>
+              <a:t>实现</a:t>
+            </a:r>
+            <a:r>
+              <a:rPr lang="en-US" altLang="zh-CN"/>
+              <a:t>Mapreduce</a:t>
+            </a:r>
+            <a:r>
+              <a:rPr lang="zh-CN" altLang="en-US"/>
+              <a:t>类应用</a:t>
+            </a:r>
+            <a:endParaRPr lang="zh-CN" altLang="en-US"/>
+          </a:p>
+          <a:p>
+            <a:pPr lvl="1"/>
+            <a:r>
+              <a:rPr lang="en-US" altLang="zh-CN"/>
+              <a:t> W</a:t>
+            </a:r>
+            <a:r>
+              <a:rPr lang="en-US" altLang="zh-CN"/>
+              <a:t>ordcount</a:t>
+            </a:r>
+            <a:endParaRPr lang="en-US" altLang="zh-CN"/>
+          </a:p>
+          <a:p>
+            <a:pPr lvl="1"/>
+            <a:r>
+              <a:rPr lang="en-US" altLang="zh-CN"/>
+              <a:t> T</a:t>
+            </a:r>
+            <a:r>
+              <a:rPr lang="en-US" altLang="zh-CN"/>
+              <a:t>erasort</a:t>
+            </a:r>
+            <a:endParaRPr lang="en-US" altLang="zh-CN"/>
+          </a:p>
+          <a:p>
+            <a:pPr lvl="0"/>
+            <a:r>
+              <a:rPr lang="en-US" altLang="zh-CN"/>
+              <a:t> </a:t>
+            </a:r>
+            <a:r>
+              <a:rPr lang="zh-CN" altLang="en-US"/>
+              <a:t>测试</a:t>
+            </a:r>
+            <a:r>
+              <a:rPr lang="en-US" altLang="zh-CN"/>
+              <a:t>Wordcount/Terasort</a:t>
+            </a:r>
+            <a:r>
+              <a:rPr lang="zh-CN" altLang="en-US"/>
+              <a:t>运行时间的</a:t>
+            </a:r>
+            <a:r>
+              <a:rPr lang="en-US" altLang="zh-CN"/>
+              <a:t>breakdown</a:t>
+            </a:r>
+            <a:endParaRPr lang="en-US" altLang="zh-CN"/>
+          </a:p>
+          <a:p>
+            <a:pPr lvl="1"/>
+            <a:r>
+              <a:rPr lang="en-US" altLang="zh-CN"/>
+              <a:t> S3 I/O </a:t>
+            </a:r>
+            <a:r>
+              <a:rPr lang="en-US" altLang="zh-CN"/>
+              <a:t>time</a:t>
+            </a:r>
+            <a:endParaRPr lang="en-US" altLang="zh-CN"/>
+          </a:p>
+          <a:p>
+            <a:pPr lvl="1"/>
+            <a:r>
+              <a:rPr lang="en-US" altLang="zh-CN"/>
+              <a:t> Computing </a:t>
+            </a:r>
+            <a:r>
+              <a:rPr lang="en-US" altLang="zh-CN"/>
+              <a:t>time</a:t>
+            </a:r>
+            <a:endParaRPr lang="en-US" altLang="zh-CN"/>
+          </a:p>
+          <a:p>
+            <a:pPr lvl="1"/>
+            <a:r>
+              <a:rPr lang="en-US" altLang="zh-CN"/>
+              <a:t> Shuffle I/O </a:t>
+            </a:r>
+            <a:r>
+              <a:rPr lang="en-US" altLang="zh-CN"/>
+              <a:t>time</a:t>
+            </a:r>
+            <a:endParaRPr lang="en-US" altLang="zh-CN"/>
+          </a:p>
+          <a:p>
+            <a:pPr lvl="0"/>
+            <a:r>
+              <a:rPr lang="en-US" altLang="zh-CN"/>
+              <a:t> </a:t>
+            </a:r>
+            <a:r>
+              <a:rPr lang="zh-CN" altLang="en-US"/>
+              <a:t>在</a:t>
+            </a:r>
+            <a:r>
+              <a:rPr lang="en-US" altLang="zh-CN"/>
+              <a:t>Wordcount/Terasort</a:t>
+            </a:r>
+            <a:r>
+              <a:rPr lang="zh-CN" altLang="en-US"/>
+              <a:t>上实现</a:t>
+            </a:r>
+            <a:r>
+              <a:rPr lang="en-US" altLang="zh-CN"/>
+              <a:t>Multistage </a:t>
+            </a:r>
+            <a:r>
+              <a:rPr lang="en-US" altLang="zh-CN"/>
+              <a:t>shuffle</a:t>
+            </a:r>
+            <a:endParaRPr lang="en-US" altLang="zh-CN"/>
+          </a:p>
+        </p:txBody>
+      </p:sp>
+    </p:spTree>
+  </p:cSld>
+  <p:clrMapOvr>
+    <a:masterClrMapping/>
+  </p:clrMapOvr>
+</p:sld>
+</file>
+
+<file path=ppt/tags/tag1.xml><?xml version="1.0" encoding="utf-8"?>
+<p:tagLst xmlns:p="http://schemas.openxmlformats.org/presentationml/2006/main">
+  <p:tag name="KSO_WM_UNIT_TABLE_BEAUTIFY" val="smartTable{684462c9-b9e8-466e-b42e-9dfab25d1906}"/>
+  <p:tag name="TABLE_ENDDRAG_ORIGIN_RECT" val="532*348"/>
+  <p:tag name="TABLE_ENDDRAG_RECT" val="229*115*532*348"/>
+</p:tagLst>
 </file>
 
 <file path=ppt/theme/theme1.xml><?xml version="1.0" encoding="utf-8"?>
